--- a/algorithm/electricity/03_denki-koujishi/01_kakomon/R1_1/02_jitsugi/q03/a03.pptx
+++ b/algorithm/electricity/03_denki-koujishi/01_kakomon/R1_1/02_jitsugi/q03/a03.pptx
@@ -11,6 +11,7 @@
     <p:sldId id="314" r:id="rId5"/>
     <p:sldId id="315" r:id="rId6"/>
     <p:sldId id="317" r:id="rId7"/>
+    <p:sldId id="318" r:id="rId8"/>
   </p:sldIdLst>
   <p:sldSz cx="12192000" cy="6858000"/>
   <p:notesSz cx="6858000" cy="9144000"/>
@@ -264,7 +265,7 @@
           <a:p>
             <a:fld id="{EA6D781E-2D27-4EF7-AFED-D0940E0D7738}" type="datetimeFigureOut">
               <a:rPr kumimoji="1" lang="ja-JP" altLang="en-US" smtClean="0"/>
-              <a:t>2020/10/7</a:t>
+              <a:t>2020/11/23</a:t>
             </a:fld>
             <a:endParaRPr kumimoji="1" lang="ja-JP" altLang="en-US"/>
           </a:p>
@@ -494,7 +495,7 @@
           <a:p>
             <a:fld id="{EA6D781E-2D27-4EF7-AFED-D0940E0D7738}" type="datetimeFigureOut">
               <a:rPr kumimoji="1" lang="ja-JP" altLang="en-US" smtClean="0"/>
-              <a:t>2020/10/7</a:t>
+              <a:t>2020/11/23</a:t>
             </a:fld>
             <a:endParaRPr kumimoji="1" lang="ja-JP" altLang="en-US"/>
           </a:p>
@@ -734,7 +735,7 @@
           <a:p>
             <a:fld id="{EA6D781E-2D27-4EF7-AFED-D0940E0D7738}" type="datetimeFigureOut">
               <a:rPr kumimoji="1" lang="ja-JP" altLang="en-US" smtClean="0"/>
-              <a:t>2020/10/7</a:t>
+              <a:t>2020/11/23</a:t>
             </a:fld>
             <a:endParaRPr kumimoji="1" lang="ja-JP" altLang="en-US"/>
           </a:p>
@@ -964,7 +965,7 @@
           <a:p>
             <a:fld id="{EA6D781E-2D27-4EF7-AFED-D0940E0D7738}" type="datetimeFigureOut">
               <a:rPr kumimoji="1" lang="ja-JP" altLang="en-US" smtClean="0"/>
-              <a:t>2020/10/7</a:t>
+              <a:t>2020/11/23</a:t>
             </a:fld>
             <a:endParaRPr kumimoji="1" lang="ja-JP" altLang="en-US"/>
           </a:p>
@@ -1239,7 +1240,7 @@
           <a:p>
             <a:fld id="{EA6D781E-2D27-4EF7-AFED-D0940E0D7738}" type="datetimeFigureOut">
               <a:rPr kumimoji="1" lang="ja-JP" altLang="en-US" smtClean="0"/>
-              <a:t>2020/10/7</a:t>
+              <a:t>2020/11/23</a:t>
             </a:fld>
             <a:endParaRPr kumimoji="1" lang="ja-JP" altLang="en-US"/>
           </a:p>
@@ -1568,7 +1569,7 @@
           <a:p>
             <a:fld id="{EA6D781E-2D27-4EF7-AFED-D0940E0D7738}" type="datetimeFigureOut">
               <a:rPr kumimoji="1" lang="ja-JP" altLang="en-US" smtClean="0"/>
-              <a:t>2020/10/7</a:t>
+              <a:t>2020/11/23</a:t>
             </a:fld>
             <a:endParaRPr kumimoji="1" lang="ja-JP" altLang="en-US"/>
           </a:p>
@@ -2044,7 +2045,7 @@
           <a:p>
             <a:fld id="{EA6D781E-2D27-4EF7-AFED-D0940E0D7738}" type="datetimeFigureOut">
               <a:rPr kumimoji="1" lang="ja-JP" altLang="en-US" smtClean="0"/>
-              <a:t>2020/10/7</a:t>
+              <a:t>2020/11/23</a:t>
             </a:fld>
             <a:endParaRPr kumimoji="1" lang="ja-JP" altLang="en-US"/>
           </a:p>
@@ -2185,7 +2186,7 @@
           <a:p>
             <a:fld id="{EA6D781E-2D27-4EF7-AFED-D0940E0D7738}" type="datetimeFigureOut">
               <a:rPr kumimoji="1" lang="ja-JP" altLang="en-US" smtClean="0"/>
-              <a:t>2020/10/7</a:t>
+              <a:t>2020/11/23</a:t>
             </a:fld>
             <a:endParaRPr kumimoji="1" lang="ja-JP" altLang="en-US"/>
           </a:p>
@@ -2298,7 +2299,7 @@
           <a:p>
             <a:fld id="{EA6D781E-2D27-4EF7-AFED-D0940E0D7738}" type="datetimeFigureOut">
               <a:rPr kumimoji="1" lang="ja-JP" altLang="en-US" smtClean="0"/>
-              <a:t>2020/10/7</a:t>
+              <a:t>2020/11/23</a:t>
             </a:fld>
             <a:endParaRPr kumimoji="1" lang="ja-JP" altLang="en-US"/>
           </a:p>
@@ -2641,7 +2642,7 @@
           <a:p>
             <a:fld id="{EA6D781E-2D27-4EF7-AFED-D0940E0D7738}" type="datetimeFigureOut">
               <a:rPr kumimoji="1" lang="ja-JP" altLang="en-US" smtClean="0"/>
-              <a:t>2020/10/7</a:t>
+              <a:t>2020/11/23</a:t>
             </a:fld>
             <a:endParaRPr kumimoji="1" lang="ja-JP" altLang="en-US"/>
           </a:p>
@@ -2929,7 +2930,7 @@
           <a:p>
             <a:fld id="{EA6D781E-2D27-4EF7-AFED-D0940E0D7738}" type="datetimeFigureOut">
               <a:rPr kumimoji="1" lang="ja-JP" altLang="en-US" smtClean="0"/>
-              <a:t>2020/10/7</a:t>
+              <a:t>2020/11/23</a:t>
             </a:fld>
             <a:endParaRPr kumimoji="1" lang="ja-JP" altLang="en-US"/>
           </a:p>
@@ -3202,7 +3203,7 @@
           <a:p>
             <a:fld id="{EA6D781E-2D27-4EF7-AFED-D0940E0D7738}" type="datetimeFigureOut">
               <a:rPr kumimoji="1" lang="ja-JP" altLang="en-US" smtClean="0"/>
-              <a:t>2020/10/7</a:t>
+              <a:t>2020/11/23</a:t>
             </a:fld>
             <a:endParaRPr kumimoji="1" lang="ja-JP" altLang="en-US"/>
           </a:p>
@@ -14839,6 +14840,2994 @@
 </p:sld>
 </file>
 
+<file path=ppt/slides/slide7.xml><?xml version="1.0" encoding="utf-8"?>
+<p:sld xmlns:a="http://schemas.openxmlformats.org/drawingml/2006/main" xmlns:r="http://schemas.openxmlformats.org/officeDocument/2006/relationships" xmlns:p="http://schemas.openxmlformats.org/presentationml/2006/main">
+  <p:cSld>
+    <p:spTree>
+      <p:nvGrpSpPr>
+        <p:cNvPr id="1" name=""/>
+        <p:cNvGrpSpPr/>
+        <p:nvPr/>
+      </p:nvGrpSpPr>
+      <p:grpSpPr>
+        <a:xfrm>
+          <a:off x="0" y="0"/>
+          <a:ext cx="0" cy="0"/>
+          <a:chOff x="0" y="0"/>
+          <a:chExt cx="0" cy="0"/>
+        </a:xfrm>
+      </p:grpSpPr>
+      <p:sp>
+        <p:nvSpPr>
+          <p:cNvPr id="18" name="楕円 17">
+            <a:extLst>
+              <a:ext uri="{FF2B5EF4-FFF2-40B4-BE49-F238E27FC236}">
+                <a16:creationId xmlns:a16="http://schemas.microsoft.com/office/drawing/2014/main" id="{A2E154AD-98D1-4F44-81A2-0CBE45258587}"/>
+              </a:ext>
+            </a:extLst>
+          </p:cNvPr>
+          <p:cNvSpPr/>
+          <p:nvPr/>
+        </p:nvSpPr>
+        <p:spPr>
+          <a:xfrm>
+            <a:off x="6874107" y="5539542"/>
+            <a:ext cx="786798" cy="736573"/>
+          </a:xfrm>
+          <a:prstGeom prst="ellipse">
+            <a:avLst/>
+          </a:prstGeom>
+          <a:solidFill>
+            <a:schemeClr val="bg1"/>
+          </a:solidFill>
+          <a:ln w="38100">
+            <a:solidFill>
+              <a:schemeClr val="bg2">
+                <a:lumMod val="10000"/>
+              </a:schemeClr>
+            </a:solidFill>
+          </a:ln>
+        </p:spPr>
+        <p:style>
+          <a:lnRef idx="2">
+            <a:schemeClr val="accent1">
+              <a:shade val="50000"/>
+            </a:schemeClr>
+          </a:lnRef>
+          <a:fillRef idx="1">
+            <a:schemeClr val="accent1"/>
+          </a:fillRef>
+          <a:effectRef idx="0">
+            <a:schemeClr val="accent1"/>
+          </a:effectRef>
+          <a:fontRef idx="minor">
+            <a:schemeClr val="lt1"/>
+          </a:fontRef>
+        </p:style>
+        <p:txBody>
+          <a:bodyPr rtlCol="0" anchor="ctr"/>
+          <a:lstStyle/>
+          <a:p>
+            <a:pPr algn="ctr"/>
+            <a:endParaRPr kumimoji="1" lang="ja-JP" altLang="en-US"/>
+          </a:p>
+        </p:txBody>
+      </p:sp>
+      <p:sp>
+        <p:nvSpPr>
+          <p:cNvPr id="65" name="テキスト ボックス 64">
+            <a:extLst>
+              <a:ext uri="{FF2B5EF4-FFF2-40B4-BE49-F238E27FC236}">
+                <a16:creationId xmlns:a16="http://schemas.microsoft.com/office/drawing/2014/main" id="{720CAE87-79A7-4680-AF5B-CD23648F3E71}"/>
+              </a:ext>
+            </a:extLst>
+          </p:cNvPr>
+          <p:cNvSpPr txBox="1"/>
+          <p:nvPr/>
+        </p:nvSpPr>
+        <p:spPr>
+          <a:xfrm>
+            <a:off x="8813408" y="483133"/>
+            <a:ext cx="492443" cy="461665"/>
+          </a:xfrm>
+          <a:prstGeom prst="rect">
+            <a:avLst/>
+          </a:prstGeom>
+          <a:noFill/>
+        </p:spPr>
+        <p:txBody>
+          <a:bodyPr wrap="none" rtlCol="0">
+            <a:spAutoFit/>
+          </a:bodyPr>
+          <a:lstStyle/>
+          <a:p>
+            <a:r>
+              <a:rPr kumimoji="1" lang="ja-JP" altLang="en-US" sz="2400" b="1" dirty="0">
+                <a:latin typeface="Georgia" panose="02040502050405020303" pitchFamily="18" charset="0"/>
+              </a:rPr>
+              <a:t>イ</a:t>
+            </a:r>
+          </a:p>
+        </p:txBody>
+      </p:sp>
+      <p:cxnSp>
+        <p:nvCxnSpPr>
+          <p:cNvPr id="50" name="直線コネクタ 49">
+            <a:extLst>
+              <a:ext uri="{FF2B5EF4-FFF2-40B4-BE49-F238E27FC236}">
+                <a16:creationId xmlns:a16="http://schemas.microsoft.com/office/drawing/2014/main" id="{56332DDB-6A1C-4EF3-9621-CC3E4A766C5B}"/>
+              </a:ext>
+            </a:extLst>
+          </p:cNvPr>
+          <p:cNvCxnSpPr>
+            <a:cxnSpLocks/>
+          </p:cNvCxnSpPr>
+          <p:nvPr/>
+        </p:nvCxnSpPr>
+        <p:spPr>
+          <a:xfrm flipH="1" flipV="1">
+            <a:off x="6981587" y="6107912"/>
+            <a:ext cx="571838" cy="345"/>
+          </a:xfrm>
+          <a:prstGeom prst="line">
+            <a:avLst/>
+          </a:prstGeom>
+          <a:ln w="57150">
+            <a:solidFill>
+              <a:schemeClr val="bg2">
+                <a:lumMod val="10000"/>
+              </a:schemeClr>
+            </a:solidFill>
+          </a:ln>
+        </p:spPr>
+        <p:style>
+          <a:lnRef idx="1">
+            <a:schemeClr val="accent1"/>
+          </a:lnRef>
+          <a:fillRef idx="0">
+            <a:schemeClr val="accent1"/>
+          </a:fillRef>
+          <a:effectRef idx="0">
+            <a:schemeClr val="accent1"/>
+          </a:effectRef>
+          <a:fontRef idx="minor">
+            <a:schemeClr val="tx1"/>
+          </a:fontRef>
+        </p:style>
+      </p:cxnSp>
+      <p:cxnSp>
+        <p:nvCxnSpPr>
+          <p:cNvPr id="64" name="直線コネクタ 63">
+            <a:extLst>
+              <a:ext uri="{FF2B5EF4-FFF2-40B4-BE49-F238E27FC236}">
+                <a16:creationId xmlns:a16="http://schemas.microsoft.com/office/drawing/2014/main" id="{4D658397-2C4B-4000-8063-9848F82650BA}"/>
+              </a:ext>
+            </a:extLst>
+          </p:cNvPr>
+          <p:cNvCxnSpPr>
+            <a:cxnSpLocks/>
+          </p:cNvCxnSpPr>
+          <p:nvPr/>
+        </p:nvCxnSpPr>
+        <p:spPr>
+          <a:xfrm flipV="1">
+            <a:off x="7162994" y="5539542"/>
+            <a:ext cx="0" cy="554960"/>
+          </a:xfrm>
+          <a:prstGeom prst="line">
+            <a:avLst/>
+          </a:prstGeom>
+          <a:ln w="57150">
+            <a:solidFill>
+              <a:schemeClr val="bg2">
+                <a:lumMod val="10000"/>
+              </a:schemeClr>
+            </a:solidFill>
+          </a:ln>
+        </p:spPr>
+        <p:style>
+          <a:lnRef idx="1">
+            <a:schemeClr val="accent1"/>
+          </a:lnRef>
+          <a:fillRef idx="0">
+            <a:schemeClr val="accent1"/>
+          </a:fillRef>
+          <a:effectRef idx="0">
+            <a:schemeClr val="accent1"/>
+          </a:effectRef>
+          <a:fontRef idx="minor">
+            <a:schemeClr val="tx1"/>
+          </a:fontRef>
+        </p:style>
+      </p:cxnSp>
+      <p:cxnSp>
+        <p:nvCxnSpPr>
+          <p:cNvPr id="66" name="直線コネクタ 65">
+            <a:extLst>
+              <a:ext uri="{FF2B5EF4-FFF2-40B4-BE49-F238E27FC236}">
+                <a16:creationId xmlns:a16="http://schemas.microsoft.com/office/drawing/2014/main" id="{F9F57985-8243-4B72-9226-BFAD4CE2DEEC}"/>
+              </a:ext>
+            </a:extLst>
+          </p:cNvPr>
+          <p:cNvCxnSpPr>
+            <a:cxnSpLocks/>
+          </p:cNvCxnSpPr>
+          <p:nvPr/>
+        </p:nvCxnSpPr>
+        <p:spPr>
+          <a:xfrm flipV="1">
+            <a:off x="7369239" y="5540795"/>
+            <a:ext cx="0" cy="554960"/>
+          </a:xfrm>
+          <a:prstGeom prst="line">
+            <a:avLst/>
+          </a:prstGeom>
+          <a:ln w="57150">
+            <a:solidFill>
+              <a:schemeClr val="bg2">
+                <a:lumMod val="10000"/>
+              </a:schemeClr>
+            </a:solidFill>
+          </a:ln>
+        </p:spPr>
+        <p:style>
+          <a:lnRef idx="1">
+            <a:schemeClr val="accent1"/>
+          </a:lnRef>
+          <a:fillRef idx="0">
+            <a:schemeClr val="accent1"/>
+          </a:fillRef>
+          <a:effectRef idx="0">
+            <a:schemeClr val="accent1"/>
+          </a:effectRef>
+          <a:fontRef idx="minor">
+            <a:schemeClr val="tx1"/>
+          </a:fontRef>
+        </p:style>
+      </p:cxnSp>
+      <p:sp>
+        <p:nvSpPr>
+          <p:cNvPr id="5" name="楕円 4">
+            <a:extLst>
+              <a:ext uri="{FF2B5EF4-FFF2-40B4-BE49-F238E27FC236}">
+                <a16:creationId xmlns:a16="http://schemas.microsoft.com/office/drawing/2014/main" id="{4542E235-6EE1-4DB0-BE9E-EE5CE07EC58A}"/>
+              </a:ext>
+            </a:extLst>
+          </p:cNvPr>
+          <p:cNvSpPr/>
+          <p:nvPr/>
+        </p:nvSpPr>
+        <p:spPr>
+          <a:xfrm flipV="1">
+            <a:off x="3372487" y="800368"/>
+            <a:ext cx="176092" cy="182966"/>
+          </a:xfrm>
+          <a:prstGeom prst="ellipse">
+            <a:avLst/>
+          </a:prstGeom>
+          <a:noFill/>
+          <a:ln w="28575">
+            <a:solidFill>
+              <a:schemeClr val="tx1"/>
+            </a:solidFill>
+          </a:ln>
+        </p:spPr>
+        <p:style>
+          <a:lnRef idx="2">
+            <a:schemeClr val="accent1">
+              <a:shade val="50000"/>
+            </a:schemeClr>
+          </a:lnRef>
+          <a:fillRef idx="1">
+            <a:schemeClr val="accent1"/>
+          </a:fillRef>
+          <a:effectRef idx="0">
+            <a:schemeClr val="accent1"/>
+          </a:effectRef>
+          <a:fontRef idx="minor">
+            <a:schemeClr val="lt1"/>
+          </a:fontRef>
+        </p:style>
+        <p:txBody>
+          <a:bodyPr rtlCol="0" anchor="ctr"/>
+          <a:lstStyle/>
+          <a:p>
+            <a:pPr algn="ctr"/>
+            <a:endParaRPr kumimoji="1" lang="ja-JP" altLang="en-US"/>
+          </a:p>
+        </p:txBody>
+      </p:sp>
+      <p:sp>
+        <p:nvSpPr>
+          <p:cNvPr id="6" name="楕円 5">
+            <a:extLst>
+              <a:ext uri="{FF2B5EF4-FFF2-40B4-BE49-F238E27FC236}">
+                <a16:creationId xmlns:a16="http://schemas.microsoft.com/office/drawing/2014/main" id="{630E7E12-91AA-49D1-96D5-8D8D3C17C1BA}"/>
+              </a:ext>
+            </a:extLst>
+          </p:cNvPr>
+          <p:cNvSpPr/>
+          <p:nvPr/>
+        </p:nvSpPr>
+        <p:spPr>
+          <a:xfrm flipV="1">
+            <a:off x="2824501" y="801548"/>
+            <a:ext cx="176092" cy="182966"/>
+          </a:xfrm>
+          <a:prstGeom prst="ellipse">
+            <a:avLst/>
+          </a:prstGeom>
+          <a:solidFill>
+            <a:schemeClr val="tx1"/>
+          </a:solidFill>
+          <a:ln w="28575">
+            <a:noFill/>
+          </a:ln>
+        </p:spPr>
+        <p:style>
+          <a:lnRef idx="2">
+            <a:schemeClr val="accent1">
+              <a:shade val="50000"/>
+            </a:schemeClr>
+          </a:lnRef>
+          <a:fillRef idx="1">
+            <a:schemeClr val="accent1"/>
+          </a:fillRef>
+          <a:effectRef idx="0">
+            <a:schemeClr val="accent1"/>
+          </a:effectRef>
+          <a:fontRef idx="minor">
+            <a:schemeClr val="lt1"/>
+          </a:fontRef>
+        </p:style>
+        <p:txBody>
+          <a:bodyPr rtlCol="0" anchor="ctr"/>
+          <a:lstStyle/>
+          <a:p>
+            <a:pPr algn="ctr"/>
+            <a:endParaRPr kumimoji="1" lang="ja-JP" altLang="en-US"/>
+          </a:p>
+        </p:txBody>
+      </p:sp>
+      <p:sp>
+        <p:nvSpPr>
+          <p:cNvPr id="7" name="楕円 6">
+            <a:extLst>
+              <a:ext uri="{FF2B5EF4-FFF2-40B4-BE49-F238E27FC236}">
+                <a16:creationId xmlns:a16="http://schemas.microsoft.com/office/drawing/2014/main" id="{3B110D3F-0631-4A34-B34D-A3A8EAD6EF60}"/>
+              </a:ext>
+            </a:extLst>
+          </p:cNvPr>
+          <p:cNvSpPr/>
+          <p:nvPr/>
+        </p:nvSpPr>
+        <p:spPr>
+          <a:xfrm>
+            <a:off x="2271307" y="2284030"/>
+            <a:ext cx="1943891" cy="1922693"/>
+          </a:xfrm>
+          <a:prstGeom prst="ellipse">
+            <a:avLst/>
+          </a:prstGeom>
+          <a:solidFill>
+            <a:schemeClr val="bg1"/>
+          </a:solidFill>
+          <a:ln w="28575">
+            <a:solidFill>
+              <a:schemeClr val="bg2">
+                <a:lumMod val="10000"/>
+              </a:schemeClr>
+            </a:solidFill>
+            <a:prstDash val="dash"/>
+          </a:ln>
+        </p:spPr>
+        <p:style>
+          <a:lnRef idx="2">
+            <a:schemeClr val="accent1">
+              <a:shade val="50000"/>
+            </a:schemeClr>
+          </a:lnRef>
+          <a:fillRef idx="1">
+            <a:schemeClr val="accent1"/>
+          </a:fillRef>
+          <a:effectRef idx="0">
+            <a:schemeClr val="accent1"/>
+          </a:effectRef>
+          <a:fontRef idx="minor">
+            <a:schemeClr val="lt1"/>
+          </a:fontRef>
+        </p:style>
+        <p:txBody>
+          <a:bodyPr rtlCol="0" anchor="ctr"/>
+          <a:lstStyle/>
+          <a:p>
+            <a:pPr algn="ctr"/>
+            <a:endParaRPr kumimoji="1" lang="ja-JP" altLang="en-US"/>
+          </a:p>
+        </p:txBody>
+      </p:sp>
+      <p:sp>
+        <p:nvSpPr>
+          <p:cNvPr id="9" name="楕円 8">
+            <a:extLst>
+              <a:ext uri="{FF2B5EF4-FFF2-40B4-BE49-F238E27FC236}">
+                <a16:creationId xmlns:a16="http://schemas.microsoft.com/office/drawing/2014/main" id="{5F83C3E4-DD28-48F0-9CF1-131ACAD0A376}"/>
+              </a:ext>
+            </a:extLst>
+          </p:cNvPr>
+          <p:cNvSpPr/>
+          <p:nvPr/>
+        </p:nvSpPr>
+        <p:spPr>
+          <a:xfrm>
+            <a:off x="6295561" y="2338832"/>
+            <a:ext cx="1943891" cy="1922693"/>
+          </a:xfrm>
+          <a:prstGeom prst="ellipse">
+            <a:avLst/>
+          </a:prstGeom>
+          <a:solidFill>
+            <a:schemeClr val="bg1"/>
+          </a:solidFill>
+          <a:ln w="28575">
+            <a:solidFill>
+              <a:schemeClr val="bg2">
+                <a:lumMod val="10000"/>
+              </a:schemeClr>
+            </a:solidFill>
+            <a:prstDash val="dash"/>
+          </a:ln>
+        </p:spPr>
+        <p:style>
+          <a:lnRef idx="2">
+            <a:schemeClr val="accent1">
+              <a:shade val="50000"/>
+            </a:schemeClr>
+          </a:lnRef>
+          <a:fillRef idx="1">
+            <a:schemeClr val="accent1"/>
+          </a:fillRef>
+          <a:effectRef idx="0">
+            <a:schemeClr val="accent1"/>
+          </a:effectRef>
+          <a:fontRef idx="minor">
+            <a:schemeClr val="lt1"/>
+          </a:fontRef>
+        </p:style>
+        <p:txBody>
+          <a:bodyPr rtlCol="0" anchor="ctr"/>
+          <a:lstStyle/>
+          <a:p>
+            <a:pPr algn="ctr"/>
+            <a:endParaRPr kumimoji="1" lang="ja-JP" altLang="en-US"/>
+          </a:p>
+        </p:txBody>
+      </p:sp>
+      <p:sp>
+        <p:nvSpPr>
+          <p:cNvPr id="23" name="テキスト ボックス 22">
+            <a:extLst>
+              <a:ext uri="{FF2B5EF4-FFF2-40B4-BE49-F238E27FC236}">
+                <a16:creationId xmlns:a16="http://schemas.microsoft.com/office/drawing/2014/main" id="{2998232B-0DED-4BBB-8FE4-21473337C476}"/>
+              </a:ext>
+            </a:extLst>
+          </p:cNvPr>
+          <p:cNvSpPr txBox="1"/>
+          <p:nvPr/>
+        </p:nvSpPr>
+        <p:spPr>
+          <a:xfrm>
+            <a:off x="3587447" y="737136"/>
+            <a:ext cx="492443" cy="461665"/>
+          </a:xfrm>
+          <a:prstGeom prst="rect">
+            <a:avLst/>
+          </a:prstGeom>
+          <a:noFill/>
+        </p:spPr>
+        <p:txBody>
+          <a:bodyPr wrap="none" rtlCol="0">
+            <a:spAutoFit/>
+          </a:bodyPr>
+          <a:lstStyle/>
+          <a:p>
+            <a:r>
+              <a:rPr lang="ja-JP" altLang="en-US" sz="2400" b="1" dirty="0">
+                <a:latin typeface="Georgia" panose="02040502050405020303" pitchFamily="18" charset="0"/>
+              </a:rPr>
+              <a:t>白</a:t>
+            </a:r>
+            <a:endParaRPr kumimoji="1" lang="ja-JP" altLang="en-US" sz="2400" b="1" dirty="0">
+              <a:latin typeface="Georgia" panose="02040502050405020303" pitchFamily="18" charset="0"/>
+            </a:endParaRPr>
+          </a:p>
+        </p:txBody>
+      </p:sp>
+      <p:sp>
+        <p:nvSpPr>
+          <p:cNvPr id="24" name="テキスト ボックス 23">
+            <a:extLst>
+              <a:ext uri="{FF2B5EF4-FFF2-40B4-BE49-F238E27FC236}">
+                <a16:creationId xmlns:a16="http://schemas.microsoft.com/office/drawing/2014/main" id="{CAD876F1-1C0C-4045-B2A6-9488A827BDBD}"/>
+              </a:ext>
+            </a:extLst>
+          </p:cNvPr>
+          <p:cNvSpPr txBox="1"/>
+          <p:nvPr/>
+        </p:nvSpPr>
+        <p:spPr>
+          <a:xfrm>
+            <a:off x="2046968" y="653618"/>
+            <a:ext cx="492443" cy="461665"/>
+          </a:xfrm>
+          <a:prstGeom prst="rect">
+            <a:avLst/>
+          </a:prstGeom>
+          <a:noFill/>
+        </p:spPr>
+        <p:txBody>
+          <a:bodyPr wrap="none" rtlCol="0">
+            <a:spAutoFit/>
+          </a:bodyPr>
+          <a:lstStyle/>
+          <a:p>
+            <a:r>
+              <a:rPr kumimoji="1" lang="ja-JP" altLang="en-US" sz="2400" b="1" dirty="0">
+                <a:latin typeface="Georgia" panose="02040502050405020303" pitchFamily="18" charset="0"/>
+              </a:rPr>
+              <a:t>黒</a:t>
+            </a:r>
+          </a:p>
+        </p:txBody>
+      </p:sp>
+      <p:sp>
+        <p:nvSpPr>
+          <p:cNvPr id="2" name="テキスト ボックス 1">
+            <a:extLst>
+              <a:ext uri="{FF2B5EF4-FFF2-40B4-BE49-F238E27FC236}">
+                <a16:creationId xmlns:a16="http://schemas.microsoft.com/office/drawing/2014/main" id="{3BAA7CD5-5A36-45E7-8A9E-8452104EE84E}"/>
+              </a:ext>
+            </a:extLst>
+          </p:cNvPr>
+          <p:cNvSpPr txBox="1"/>
+          <p:nvPr/>
+        </p:nvSpPr>
+        <p:spPr>
+          <a:xfrm>
+            <a:off x="10638064" y="3279205"/>
+            <a:ext cx="490502" cy="461665"/>
+          </a:xfrm>
+          <a:prstGeom prst="rect">
+            <a:avLst/>
+          </a:prstGeom>
+          <a:noFill/>
+        </p:spPr>
+        <p:txBody>
+          <a:bodyPr wrap="square" rtlCol="0">
+            <a:spAutoFit/>
+          </a:bodyPr>
+          <a:lstStyle/>
+          <a:p>
+            <a:r>
+              <a:rPr kumimoji="1" lang="ja-JP" altLang="en-US" sz="2400" b="1" dirty="0">
+                <a:latin typeface="Georgia" panose="02040502050405020303" pitchFamily="18" charset="0"/>
+              </a:rPr>
+              <a:t>ロ</a:t>
+            </a:r>
+          </a:p>
+        </p:txBody>
+      </p:sp>
+      <p:sp>
+        <p:nvSpPr>
+          <p:cNvPr id="3" name="楕円 2">
+            <a:extLst>
+              <a:ext uri="{FF2B5EF4-FFF2-40B4-BE49-F238E27FC236}">
+                <a16:creationId xmlns:a16="http://schemas.microsoft.com/office/drawing/2014/main" id="{CB003734-785B-4885-B625-31F194B279F2}"/>
+              </a:ext>
+            </a:extLst>
+          </p:cNvPr>
+          <p:cNvSpPr/>
+          <p:nvPr/>
+        </p:nvSpPr>
+        <p:spPr>
+          <a:xfrm>
+            <a:off x="9873558" y="3069140"/>
+            <a:ext cx="783696" cy="769441"/>
+          </a:xfrm>
+          <a:prstGeom prst="ellipse">
+            <a:avLst/>
+          </a:prstGeom>
+          <a:solidFill>
+            <a:schemeClr val="bg1"/>
+          </a:solidFill>
+          <a:ln w="38100">
+            <a:solidFill>
+              <a:schemeClr val="bg2">
+                <a:lumMod val="10000"/>
+              </a:schemeClr>
+            </a:solidFill>
+          </a:ln>
+        </p:spPr>
+        <p:style>
+          <a:lnRef idx="2">
+            <a:schemeClr val="accent1">
+              <a:shade val="50000"/>
+            </a:schemeClr>
+          </a:lnRef>
+          <a:fillRef idx="1">
+            <a:schemeClr val="accent1"/>
+          </a:fillRef>
+          <a:effectRef idx="0">
+            <a:schemeClr val="accent1"/>
+          </a:effectRef>
+          <a:fontRef idx="minor">
+            <a:schemeClr val="lt1"/>
+          </a:fontRef>
+        </p:style>
+        <p:txBody>
+          <a:bodyPr rtlCol="0" anchor="ctr"/>
+          <a:lstStyle/>
+          <a:p>
+            <a:pPr algn="ctr"/>
+            <a:endParaRPr kumimoji="1" lang="ja-JP" altLang="en-US"/>
+          </a:p>
+        </p:txBody>
+      </p:sp>
+      <p:sp>
+        <p:nvSpPr>
+          <p:cNvPr id="8" name="テキスト ボックス 7">
+            <a:extLst>
+              <a:ext uri="{FF2B5EF4-FFF2-40B4-BE49-F238E27FC236}">
+                <a16:creationId xmlns:a16="http://schemas.microsoft.com/office/drawing/2014/main" id="{1E0AF941-4756-4A0D-BEAD-851DF1A9F734}"/>
+              </a:ext>
+            </a:extLst>
+          </p:cNvPr>
+          <p:cNvSpPr txBox="1"/>
+          <p:nvPr/>
+        </p:nvSpPr>
+        <p:spPr>
+          <a:xfrm>
+            <a:off x="9998600" y="3067585"/>
+            <a:ext cx="533612" cy="769441"/>
+          </a:xfrm>
+          <a:prstGeom prst="rect">
+            <a:avLst/>
+          </a:prstGeom>
+          <a:noFill/>
+        </p:spPr>
+        <p:txBody>
+          <a:bodyPr wrap="square" rtlCol="0">
+            <a:spAutoFit/>
+          </a:bodyPr>
+          <a:lstStyle/>
+          <a:p>
+            <a:r>
+              <a:rPr kumimoji="1" lang="en-US" altLang="ja-JP" sz="4400" dirty="0">
+                <a:latin typeface="Cambria Math" panose="02040503050406030204" pitchFamily="18" charset="0"/>
+                <a:ea typeface="Cambria Math" panose="02040503050406030204" pitchFamily="18" charset="0"/>
+              </a:rPr>
+              <a:t>R</a:t>
+            </a:r>
+            <a:endParaRPr kumimoji="1" lang="ja-JP" altLang="en-US" sz="4400" dirty="0">
+              <a:latin typeface="Cambria Math" panose="02040503050406030204" pitchFamily="18" charset="0"/>
+            </a:endParaRPr>
+          </a:p>
+        </p:txBody>
+      </p:sp>
+      <p:cxnSp>
+        <p:nvCxnSpPr>
+          <p:cNvPr id="29" name="直線コネクタ 28">
+            <a:extLst>
+              <a:ext uri="{FF2B5EF4-FFF2-40B4-BE49-F238E27FC236}">
+                <a16:creationId xmlns:a16="http://schemas.microsoft.com/office/drawing/2014/main" id="{D4AFB6FD-2ADE-4B3C-B037-D22DD50D4FF7}"/>
+              </a:ext>
+            </a:extLst>
+          </p:cNvPr>
+          <p:cNvCxnSpPr>
+            <a:cxnSpLocks/>
+          </p:cNvCxnSpPr>
+          <p:nvPr/>
+        </p:nvCxnSpPr>
+        <p:spPr>
+          <a:xfrm flipH="1" flipV="1">
+            <a:off x="3043975" y="5604522"/>
+            <a:ext cx="407677" cy="144643"/>
+          </a:xfrm>
+          <a:prstGeom prst="line">
+            <a:avLst/>
+          </a:prstGeom>
+          <a:ln w="19050">
+            <a:solidFill>
+              <a:schemeClr val="bg2">
+                <a:lumMod val="10000"/>
+              </a:schemeClr>
+            </a:solidFill>
+          </a:ln>
+        </p:spPr>
+        <p:style>
+          <a:lnRef idx="1">
+            <a:schemeClr val="accent1"/>
+          </a:lnRef>
+          <a:fillRef idx="0">
+            <a:schemeClr val="accent1"/>
+          </a:fillRef>
+          <a:effectRef idx="0">
+            <a:schemeClr val="accent1"/>
+          </a:effectRef>
+          <a:fontRef idx="minor">
+            <a:schemeClr val="tx1"/>
+          </a:fontRef>
+        </p:style>
+      </p:cxnSp>
+      <p:sp>
+        <p:nvSpPr>
+          <p:cNvPr id="30" name="楕円 29">
+            <a:extLst>
+              <a:ext uri="{FF2B5EF4-FFF2-40B4-BE49-F238E27FC236}">
+                <a16:creationId xmlns:a16="http://schemas.microsoft.com/office/drawing/2014/main" id="{C55165B1-22C2-4391-8D12-4E48B6A4CA53}"/>
+              </a:ext>
+            </a:extLst>
+          </p:cNvPr>
+          <p:cNvSpPr/>
+          <p:nvPr/>
+        </p:nvSpPr>
+        <p:spPr>
+          <a:xfrm flipV="1">
+            <a:off x="3405220" y="5703055"/>
+            <a:ext cx="176092" cy="182966"/>
+          </a:xfrm>
+          <a:prstGeom prst="ellipse">
+            <a:avLst/>
+          </a:prstGeom>
+          <a:noFill/>
+          <a:ln w="28575">
+            <a:solidFill>
+              <a:schemeClr val="tx1"/>
+            </a:solidFill>
+          </a:ln>
+        </p:spPr>
+        <p:style>
+          <a:lnRef idx="2">
+            <a:schemeClr val="accent1">
+              <a:shade val="50000"/>
+            </a:schemeClr>
+          </a:lnRef>
+          <a:fillRef idx="1">
+            <a:schemeClr val="accent1"/>
+          </a:fillRef>
+          <a:effectRef idx="0">
+            <a:schemeClr val="accent1"/>
+          </a:effectRef>
+          <a:fontRef idx="minor">
+            <a:schemeClr val="lt1"/>
+          </a:fontRef>
+        </p:style>
+        <p:txBody>
+          <a:bodyPr rtlCol="0" anchor="ctr"/>
+          <a:lstStyle/>
+          <a:p>
+            <a:pPr algn="ctr"/>
+            <a:endParaRPr kumimoji="1" lang="ja-JP" altLang="en-US"/>
+          </a:p>
+        </p:txBody>
+      </p:sp>
+      <p:sp>
+        <p:nvSpPr>
+          <p:cNvPr id="31" name="楕円 30">
+            <a:extLst>
+              <a:ext uri="{FF2B5EF4-FFF2-40B4-BE49-F238E27FC236}">
+                <a16:creationId xmlns:a16="http://schemas.microsoft.com/office/drawing/2014/main" id="{27DB8A70-C007-42D4-8E2A-FD9EEE8D8856}"/>
+              </a:ext>
+            </a:extLst>
+          </p:cNvPr>
+          <p:cNvSpPr/>
+          <p:nvPr/>
+        </p:nvSpPr>
+        <p:spPr>
+          <a:xfrm flipV="1">
+            <a:off x="2844504" y="5702710"/>
+            <a:ext cx="176092" cy="182966"/>
+          </a:xfrm>
+          <a:prstGeom prst="ellipse">
+            <a:avLst/>
+          </a:prstGeom>
+          <a:noFill/>
+          <a:ln w="28575">
+            <a:solidFill>
+              <a:schemeClr val="tx1"/>
+            </a:solidFill>
+          </a:ln>
+        </p:spPr>
+        <p:style>
+          <a:lnRef idx="2">
+            <a:schemeClr val="accent1">
+              <a:shade val="50000"/>
+            </a:schemeClr>
+          </a:lnRef>
+          <a:fillRef idx="1">
+            <a:schemeClr val="accent1"/>
+          </a:fillRef>
+          <a:effectRef idx="0">
+            <a:schemeClr val="accent1"/>
+          </a:effectRef>
+          <a:fontRef idx="minor">
+            <a:schemeClr val="lt1"/>
+          </a:fontRef>
+        </p:style>
+        <p:txBody>
+          <a:bodyPr rtlCol="0" anchor="ctr"/>
+          <a:lstStyle/>
+          <a:p>
+            <a:pPr algn="ctr"/>
+            <a:endParaRPr kumimoji="1" lang="ja-JP" altLang="en-US"/>
+          </a:p>
+        </p:txBody>
+      </p:sp>
+      <p:sp>
+        <p:nvSpPr>
+          <p:cNvPr id="11" name="正方形/長方形 10">
+            <a:extLst>
+              <a:ext uri="{FF2B5EF4-FFF2-40B4-BE49-F238E27FC236}">
+                <a16:creationId xmlns:a16="http://schemas.microsoft.com/office/drawing/2014/main" id="{B2E48084-A050-48D9-92DC-2AEB3B57124E}"/>
+              </a:ext>
+            </a:extLst>
+          </p:cNvPr>
+          <p:cNvSpPr/>
+          <p:nvPr/>
+        </p:nvSpPr>
+        <p:spPr>
+          <a:xfrm>
+            <a:off x="6613036" y="239266"/>
+            <a:ext cx="2151015" cy="756728"/>
+          </a:xfrm>
+          <a:prstGeom prst="rect">
+            <a:avLst/>
+          </a:prstGeom>
+          <a:noFill/>
+          <a:ln w="28575">
+            <a:solidFill>
+              <a:schemeClr val="tx1"/>
+            </a:solidFill>
+          </a:ln>
+        </p:spPr>
+        <p:style>
+          <a:lnRef idx="2">
+            <a:schemeClr val="accent1">
+              <a:shade val="50000"/>
+            </a:schemeClr>
+          </a:lnRef>
+          <a:fillRef idx="1">
+            <a:schemeClr val="accent1"/>
+          </a:fillRef>
+          <a:effectRef idx="0">
+            <a:schemeClr val="accent1"/>
+          </a:effectRef>
+          <a:fontRef idx="minor">
+            <a:schemeClr val="lt1"/>
+          </a:fontRef>
+        </p:style>
+        <p:txBody>
+          <a:bodyPr rtlCol="0" anchor="ctr"/>
+          <a:lstStyle/>
+          <a:p>
+            <a:pPr algn="ctr"/>
+            <a:endParaRPr kumimoji="1" lang="ja-JP" altLang="en-US"/>
+          </a:p>
+        </p:txBody>
+      </p:sp>
+      <p:sp>
+        <p:nvSpPr>
+          <p:cNvPr id="13" name="楕円 12">
+            <a:extLst>
+              <a:ext uri="{FF2B5EF4-FFF2-40B4-BE49-F238E27FC236}">
+                <a16:creationId xmlns:a16="http://schemas.microsoft.com/office/drawing/2014/main" id="{8B322D31-0F54-4CD9-BE29-A78F0B219161}"/>
+              </a:ext>
+            </a:extLst>
+          </p:cNvPr>
+          <p:cNvSpPr/>
+          <p:nvPr/>
+        </p:nvSpPr>
+        <p:spPr>
+          <a:xfrm flipV="1">
+            <a:off x="6902705" y="566385"/>
+            <a:ext cx="329621" cy="326064"/>
+          </a:xfrm>
+          <a:prstGeom prst="ellipse">
+            <a:avLst/>
+          </a:prstGeom>
+          <a:noFill/>
+          <a:ln w="28575">
+            <a:solidFill>
+              <a:schemeClr val="tx1"/>
+            </a:solidFill>
+          </a:ln>
+        </p:spPr>
+        <p:style>
+          <a:lnRef idx="2">
+            <a:schemeClr val="accent1">
+              <a:shade val="50000"/>
+            </a:schemeClr>
+          </a:lnRef>
+          <a:fillRef idx="1">
+            <a:schemeClr val="accent1"/>
+          </a:fillRef>
+          <a:effectRef idx="0">
+            <a:schemeClr val="accent1"/>
+          </a:effectRef>
+          <a:fontRef idx="minor">
+            <a:schemeClr val="lt1"/>
+          </a:fontRef>
+        </p:style>
+        <p:txBody>
+          <a:bodyPr rtlCol="0" anchor="ctr"/>
+          <a:lstStyle/>
+          <a:p>
+            <a:pPr algn="ctr"/>
+            <a:endParaRPr kumimoji="1" lang="ja-JP" altLang="en-US"/>
+          </a:p>
+        </p:txBody>
+      </p:sp>
+      <p:sp>
+        <p:nvSpPr>
+          <p:cNvPr id="14" name="楕円 13">
+            <a:extLst>
+              <a:ext uri="{FF2B5EF4-FFF2-40B4-BE49-F238E27FC236}">
+                <a16:creationId xmlns:a16="http://schemas.microsoft.com/office/drawing/2014/main" id="{1258D82E-C517-4064-9522-5AEAA2B9C4D2}"/>
+              </a:ext>
+            </a:extLst>
+          </p:cNvPr>
+          <p:cNvSpPr/>
+          <p:nvPr/>
+        </p:nvSpPr>
+        <p:spPr>
+          <a:xfrm flipV="1">
+            <a:off x="7503757" y="593984"/>
+            <a:ext cx="329621" cy="326064"/>
+          </a:xfrm>
+          <a:prstGeom prst="ellipse">
+            <a:avLst/>
+          </a:prstGeom>
+          <a:noFill/>
+          <a:ln w="28575">
+            <a:solidFill>
+              <a:schemeClr val="tx1"/>
+            </a:solidFill>
+          </a:ln>
+        </p:spPr>
+        <p:style>
+          <a:lnRef idx="2">
+            <a:schemeClr val="accent1">
+              <a:shade val="50000"/>
+            </a:schemeClr>
+          </a:lnRef>
+          <a:fillRef idx="1">
+            <a:schemeClr val="accent1"/>
+          </a:fillRef>
+          <a:effectRef idx="0">
+            <a:schemeClr val="accent1"/>
+          </a:effectRef>
+          <a:fontRef idx="minor">
+            <a:schemeClr val="lt1"/>
+          </a:fontRef>
+        </p:style>
+        <p:txBody>
+          <a:bodyPr rtlCol="0" anchor="ctr"/>
+          <a:lstStyle/>
+          <a:p>
+            <a:pPr algn="ctr"/>
+            <a:endParaRPr kumimoji="1" lang="ja-JP" altLang="en-US"/>
+          </a:p>
+        </p:txBody>
+      </p:sp>
+      <p:sp>
+        <p:nvSpPr>
+          <p:cNvPr id="15" name="楕円 14">
+            <a:extLst>
+              <a:ext uri="{FF2B5EF4-FFF2-40B4-BE49-F238E27FC236}">
+                <a16:creationId xmlns:a16="http://schemas.microsoft.com/office/drawing/2014/main" id="{A14546F5-FDF1-4640-A116-ADFA32D4A6C5}"/>
+              </a:ext>
+            </a:extLst>
+          </p:cNvPr>
+          <p:cNvSpPr/>
+          <p:nvPr/>
+        </p:nvSpPr>
+        <p:spPr>
+          <a:xfrm flipV="1">
+            <a:off x="8104809" y="572014"/>
+            <a:ext cx="329621" cy="326064"/>
+          </a:xfrm>
+          <a:prstGeom prst="ellipse">
+            <a:avLst/>
+          </a:prstGeom>
+          <a:noFill/>
+          <a:ln w="28575">
+            <a:solidFill>
+              <a:schemeClr val="tx1"/>
+            </a:solidFill>
+          </a:ln>
+        </p:spPr>
+        <p:style>
+          <a:lnRef idx="2">
+            <a:schemeClr val="accent1">
+              <a:shade val="50000"/>
+            </a:schemeClr>
+          </a:lnRef>
+          <a:fillRef idx="1">
+            <a:schemeClr val="accent1"/>
+          </a:fillRef>
+          <a:effectRef idx="0">
+            <a:schemeClr val="accent1"/>
+          </a:effectRef>
+          <a:fontRef idx="minor">
+            <a:schemeClr val="lt1"/>
+          </a:fontRef>
+        </p:style>
+        <p:txBody>
+          <a:bodyPr rtlCol="0" anchor="ctr"/>
+          <a:lstStyle/>
+          <a:p>
+            <a:pPr algn="ctr"/>
+            <a:endParaRPr kumimoji="1" lang="ja-JP" altLang="en-US"/>
+          </a:p>
+        </p:txBody>
+      </p:sp>
+      <p:sp>
+        <p:nvSpPr>
+          <p:cNvPr id="19" name="テキスト ボックス 18">
+            <a:extLst>
+              <a:ext uri="{FF2B5EF4-FFF2-40B4-BE49-F238E27FC236}">
+                <a16:creationId xmlns:a16="http://schemas.microsoft.com/office/drawing/2014/main" id="{E4E5D077-A645-4763-B2EC-D7C60A469548}"/>
+              </a:ext>
+            </a:extLst>
+          </p:cNvPr>
+          <p:cNvSpPr txBox="1"/>
+          <p:nvPr/>
+        </p:nvSpPr>
+        <p:spPr>
+          <a:xfrm>
+            <a:off x="3818007" y="5604522"/>
+            <a:ext cx="492443" cy="461665"/>
+          </a:xfrm>
+          <a:prstGeom prst="rect">
+            <a:avLst/>
+          </a:prstGeom>
+          <a:noFill/>
+        </p:spPr>
+        <p:txBody>
+          <a:bodyPr wrap="none" rtlCol="0">
+            <a:spAutoFit/>
+          </a:bodyPr>
+          <a:lstStyle/>
+          <a:p>
+            <a:r>
+              <a:rPr kumimoji="1" lang="ja-JP" altLang="en-US" sz="2400" b="1" dirty="0">
+                <a:latin typeface="Georgia" panose="02040502050405020303" pitchFamily="18" charset="0"/>
+              </a:rPr>
+              <a:t>ロ</a:t>
+            </a:r>
+          </a:p>
+        </p:txBody>
+      </p:sp>
+      <p:sp>
+        <p:nvSpPr>
+          <p:cNvPr id="21" name="テキスト ボックス 20">
+            <a:extLst>
+              <a:ext uri="{FF2B5EF4-FFF2-40B4-BE49-F238E27FC236}">
+                <a16:creationId xmlns:a16="http://schemas.microsoft.com/office/drawing/2014/main" id="{9981600F-FBF2-4F0D-99C2-9532A799CEF2}"/>
+              </a:ext>
+            </a:extLst>
+          </p:cNvPr>
+          <p:cNvSpPr txBox="1"/>
+          <p:nvPr/>
+        </p:nvSpPr>
+        <p:spPr>
+          <a:xfrm>
+            <a:off x="6812175" y="196203"/>
+            <a:ext cx="1762021" cy="461665"/>
+          </a:xfrm>
+          <a:prstGeom prst="rect">
+            <a:avLst/>
+          </a:prstGeom>
+          <a:noFill/>
+        </p:spPr>
+        <p:txBody>
+          <a:bodyPr wrap="none" rtlCol="0">
+            <a:spAutoFit/>
+          </a:bodyPr>
+          <a:lstStyle/>
+          <a:p>
+            <a:r>
+              <a:rPr kumimoji="1" lang="en-US" altLang="ja-JP" sz="2400" b="1" dirty="0">
+                <a:latin typeface="Georgia" panose="02040502050405020303" pitchFamily="18" charset="0"/>
+              </a:rPr>
+              <a:t>S1    S2  L1</a:t>
+            </a:r>
+            <a:endParaRPr kumimoji="1" lang="ja-JP" altLang="en-US" sz="2400" b="1" dirty="0">
+              <a:latin typeface="Georgia" panose="02040502050405020303" pitchFamily="18" charset="0"/>
+            </a:endParaRPr>
+          </a:p>
+        </p:txBody>
+      </p:sp>
+      <p:sp>
+        <p:nvSpPr>
+          <p:cNvPr id="22" name="正方形/長方形 21">
+            <a:extLst>
+              <a:ext uri="{FF2B5EF4-FFF2-40B4-BE49-F238E27FC236}">
+                <a16:creationId xmlns:a16="http://schemas.microsoft.com/office/drawing/2014/main" id="{6D7CB55D-0D14-498D-94E7-059DA889C8FB}"/>
+              </a:ext>
+            </a:extLst>
+          </p:cNvPr>
+          <p:cNvSpPr/>
+          <p:nvPr/>
+        </p:nvSpPr>
+        <p:spPr>
+          <a:xfrm>
+            <a:off x="10025356" y="920048"/>
+            <a:ext cx="574370" cy="1172698"/>
+          </a:xfrm>
+          <a:prstGeom prst="rect">
+            <a:avLst/>
+          </a:prstGeom>
+          <a:noFill/>
+          <a:ln w="28575">
+            <a:solidFill>
+              <a:schemeClr val="tx1"/>
+            </a:solidFill>
+          </a:ln>
+        </p:spPr>
+        <p:style>
+          <a:lnRef idx="2">
+            <a:schemeClr val="accent1">
+              <a:shade val="50000"/>
+            </a:schemeClr>
+          </a:lnRef>
+          <a:fillRef idx="1">
+            <a:schemeClr val="accent1"/>
+          </a:fillRef>
+          <a:effectRef idx="0">
+            <a:schemeClr val="accent1"/>
+          </a:effectRef>
+          <a:fontRef idx="minor">
+            <a:schemeClr val="lt1"/>
+          </a:fontRef>
+        </p:style>
+        <p:txBody>
+          <a:bodyPr rtlCol="0" anchor="ctr"/>
+          <a:lstStyle/>
+          <a:p>
+            <a:pPr algn="ctr"/>
+            <a:r>
+              <a:rPr lang="ja-JP" altLang="en-US" dirty="0"/>
+              <a:t>（）</a:t>
+            </a:r>
+            <a:endParaRPr kumimoji="1" lang="ja-JP" altLang="en-US" dirty="0"/>
+          </a:p>
+        </p:txBody>
+      </p:sp>
+      <p:sp>
+        <p:nvSpPr>
+          <p:cNvPr id="25" name="テキスト ボックス 24">
+            <a:extLst>
+              <a:ext uri="{FF2B5EF4-FFF2-40B4-BE49-F238E27FC236}">
+                <a16:creationId xmlns:a16="http://schemas.microsoft.com/office/drawing/2014/main" id="{A11E7D19-E549-429A-9ADB-BC123F732902}"/>
+              </a:ext>
+            </a:extLst>
+          </p:cNvPr>
+          <p:cNvSpPr txBox="1"/>
+          <p:nvPr/>
+        </p:nvSpPr>
+        <p:spPr>
+          <a:xfrm>
+            <a:off x="10081708" y="1208227"/>
+            <a:ext cx="461665" cy="769441"/>
+          </a:xfrm>
+          <a:prstGeom prst="rect">
+            <a:avLst/>
+          </a:prstGeom>
+          <a:noFill/>
+        </p:spPr>
+        <p:txBody>
+          <a:bodyPr vert="eaVert" wrap="square" rtlCol="0">
+            <a:spAutoFit/>
+          </a:bodyPr>
+          <a:lstStyle/>
+          <a:p>
+            <a:r>
+              <a:rPr kumimoji="1" lang="ja-JP" altLang="en-US" b="1" dirty="0"/>
+              <a:t>（）</a:t>
+            </a:r>
+          </a:p>
+        </p:txBody>
+      </p:sp>
+      <p:sp>
+        <p:nvSpPr>
+          <p:cNvPr id="26" name="テキスト ボックス 25">
+            <a:extLst>
+              <a:ext uri="{FF2B5EF4-FFF2-40B4-BE49-F238E27FC236}">
+                <a16:creationId xmlns:a16="http://schemas.microsoft.com/office/drawing/2014/main" id="{2EFE439D-4D07-4334-9443-CC50E3E2137A}"/>
+              </a:ext>
+            </a:extLst>
+          </p:cNvPr>
+          <p:cNvSpPr txBox="1"/>
+          <p:nvPr/>
+        </p:nvSpPr>
+        <p:spPr>
+          <a:xfrm>
+            <a:off x="10705359" y="1746835"/>
+            <a:ext cx="492443" cy="461665"/>
+          </a:xfrm>
+          <a:prstGeom prst="rect">
+            <a:avLst/>
+          </a:prstGeom>
+          <a:noFill/>
+        </p:spPr>
+        <p:txBody>
+          <a:bodyPr wrap="none" rtlCol="0">
+            <a:spAutoFit/>
+          </a:bodyPr>
+          <a:lstStyle/>
+          <a:p>
+            <a:r>
+              <a:rPr kumimoji="1" lang="ja-JP" altLang="en-US" sz="2400" b="1" dirty="0">
+                <a:latin typeface="Georgia" panose="02040502050405020303" pitchFamily="18" charset="0"/>
+              </a:rPr>
+              <a:t>イ</a:t>
+            </a:r>
+          </a:p>
+        </p:txBody>
+      </p:sp>
+      <p:cxnSp>
+        <p:nvCxnSpPr>
+          <p:cNvPr id="28" name="直線コネクタ 27">
+            <a:extLst>
+              <a:ext uri="{FF2B5EF4-FFF2-40B4-BE49-F238E27FC236}">
+                <a16:creationId xmlns:a16="http://schemas.microsoft.com/office/drawing/2014/main" id="{D2BDA1FB-967A-47BB-9D19-F577C53AC5C4}"/>
+              </a:ext>
+            </a:extLst>
+          </p:cNvPr>
+          <p:cNvCxnSpPr>
+            <a:cxnSpLocks/>
+            <a:stCxn id="38" idx="0"/>
+          </p:cNvCxnSpPr>
+          <p:nvPr/>
+        </p:nvCxnSpPr>
+        <p:spPr>
+          <a:xfrm flipH="1" flipV="1">
+            <a:off x="3451652" y="995995"/>
+            <a:ext cx="18830" cy="2265564"/>
+          </a:xfrm>
+          <a:prstGeom prst="line">
+            <a:avLst/>
+          </a:prstGeom>
+          <a:ln w="57150">
+            <a:solidFill>
+              <a:schemeClr val="accent1">
+                <a:lumMod val="60000"/>
+                <a:lumOff val="40000"/>
+              </a:schemeClr>
+            </a:solidFill>
+          </a:ln>
+        </p:spPr>
+        <p:style>
+          <a:lnRef idx="1">
+            <a:schemeClr val="accent1"/>
+          </a:lnRef>
+          <a:fillRef idx="0">
+            <a:schemeClr val="accent1"/>
+          </a:fillRef>
+          <a:effectRef idx="0">
+            <a:schemeClr val="accent1"/>
+          </a:effectRef>
+          <a:fontRef idx="minor">
+            <a:schemeClr val="tx1"/>
+          </a:fontRef>
+        </p:style>
+      </p:cxnSp>
+      <p:cxnSp>
+        <p:nvCxnSpPr>
+          <p:cNvPr id="32" name="直線コネクタ 31">
+            <a:extLst>
+              <a:ext uri="{FF2B5EF4-FFF2-40B4-BE49-F238E27FC236}">
+                <a16:creationId xmlns:a16="http://schemas.microsoft.com/office/drawing/2014/main" id="{AF76E64C-963D-44A2-A031-BDEBD30357F5}"/>
+              </a:ext>
+            </a:extLst>
+          </p:cNvPr>
+          <p:cNvCxnSpPr>
+            <a:cxnSpLocks/>
+          </p:cNvCxnSpPr>
+          <p:nvPr/>
+        </p:nvCxnSpPr>
+        <p:spPr>
+          <a:xfrm>
+            <a:off x="3493266" y="3199652"/>
+            <a:ext cx="6427427" cy="45724"/>
+          </a:xfrm>
+          <a:prstGeom prst="line">
+            <a:avLst/>
+          </a:prstGeom>
+          <a:ln w="57150">
+            <a:solidFill>
+              <a:schemeClr val="accent1">
+                <a:lumMod val="60000"/>
+                <a:lumOff val="40000"/>
+              </a:schemeClr>
+            </a:solidFill>
+          </a:ln>
+        </p:spPr>
+        <p:style>
+          <a:lnRef idx="1">
+            <a:schemeClr val="accent1"/>
+          </a:lnRef>
+          <a:fillRef idx="0">
+            <a:schemeClr val="accent1"/>
+          </a:fillRef>
+          <a:effectRef idx="0">
+            <a:schemeClr val="accent1"/>
+          </a:effectRef>
+          <a:fontRef idx="minor">
+            <a:schemeClr val="tx1"/>
+          </a:fontRef>
+        </p:style>
+      </p:cxnSp>
+      <p:cxnSp>
+        <p:nvCxnSpPr>
+          <p:cNvPr id="34" name="直線コネクタ 33">
+            <a:extLst>
+              <a:ext uri="{FF2B5EF4-FFF2-40B4-BE49-F238E27FC236}">
+                <a16:creationId xmlns:a16="http://schemas.microsoft.com/office/drawing/2014/main" id="{F1C25891-41D8-48EA-BF17-3D8422998D91}"/>
+              </a:ext>
+            </a:extLst>
+          </p:cNvPr>
+          <p:cNvCxnSpPr>
+            <a:cxnSpLocks/>
+            <a:stCxn id="14" idx="0"/>
+          </p:cNvCxnSpPr>
+          <p:nvPr/>
+        </p:nvCxnSpPr>
+        <p:spPr>
+          <a:xfrm flipH="1">
+            <a:off x="7642700" y="920048"/>
+            <a:ext cx="25868" cy="4915306"/>
+          </a:xfrm>
+          <a:prstGeom prst="line">
+            <a:avLst/>
+          </a:prstGeom>
+          <a:ln w="57150">
+            <a:solidFill>
+              <a:schemeClr val="accent1">
+                <a:lumMod val="60000"/>
+                <a:lumOff val="40000"/>
+              </a:schemeClr>
+            </a:solidFill>
+          </a:ln>
+        </p:spPr>
+        <p:style>
+          <a:lnRef idx="1">
+            <a:schemeClr val="accent1"/>
+          </a:lnRef>
+          <a:fillRef idx="0">
+            <a:schemeClr val="accent1"/>
+          </a:fillRef>
+          <a:effectRef idx="0">
+            <a:schemeClr val="accent1"/>
+          </a:effectRef>
+          <a:fontRef idx="minor">
+            <a:schemeClr val="tx1"/>
+          </a:fontRef>
+        </p:style>
+      </p:cxnSp>
+      <p:sp>
+        <p:nvSpPr>
+          <p:cNvPr id="38" name="楕円 37">
+            <a:extLst>
+              <a:ext uri="{FF2B5EF4-FFF2-40B4-BE49-F238E27FC236}">
+                <a16:creationId xmlns:a16="http://schemas.microsoft.com/office/drawing/2014/main" id="{DC57BC60-7097-4E5F-8221-86FBB946AA73}"/>
+              </a:ext>
+            </a:extLst>
+          </p:cNvPr>
+          <p:cNvSpPr/>
+          <p:nvPr/>
+        </p:nvSpPr>
+        <p:spPr>
+          <a:xfrm flipV="1">
+            <a:off x="3382436" y="3078593"/>
+            <a:ext cx="176092" cy="182966"/>
+          </a:xfrm>
+          <a:prstGeom prst="ellipse">
+            <a:avLst/>
+          </a:prstGeom>
+          <a:solidFill>
+            <a:schemeClr val="tx1"/>
+          </a:solidFill>
+          <a:ln w="28575">
+            <a:noFill/>
+          </a:ln>
+        </p:spPr>
+        <p:style>
+          <a:lnRef idx="2">
+            <a:schemeClr val="accent1">
+              <a:shade val="50000"/>
+            </a:schemeClr>
+          </a:lnRef>
+          <a:fillRef idx="1">
+            <a:schemeClr val="accent1"/>
+          </a:fillRef>
+          <a:effectRef idx="0">
+            <a:schemeClr val="accent1"/>
+          </a:effectRef>
+          <a:fontRef idx="minor">
+            <a:schemeClr val="lt1"/>
+          </a:fontRef>
+        </p:style>
+        <p:txBody>
+          <a:bodyPr rtlCol="0" anchor="ctr"/>
+          <a:lstStyle/>
+          <a:p>
+            <a:pPr algn="ctr"/>
+            <a:endParaRPr kumimoji="1" lang="ja-JP" altLang="en-US"/>
+          </a:p>
+        </p:txBody>
+      </p:sp>
+      <p:sp>
+        <p:nvSpPr>
+          <p:cNvPr id="39" name="楕円 38">
+            <a:extLst>
+              <a:ext uri="{FF2B5EF4-FFF2-40B4-BE49-F238E27FC236}">
+                <a16:creationId xmlns:a16="http://schemas.microsoft.com/office/drawing/2014/main" id="{4712F2A3-71CF-4157-9DE1-957E992807E1}"/>
+              </a:ext>
+            </a:extLst>
+          </p:cNvPr>
+          <p:cNvSpPr/>
+          <p:nvPr/>
+        </p:nvSpPr>
+        <p:spPr>
+          <a:xfrm flipV="1">
+            <a:off x="7559926" y="3096239"/>
+            <a:ext cx="176092" cy="182966"/>
+          </a:xfrm>
+          <a:prstGeom prst="ellipse">
+            <a:avLst/>
+          </a:prstGeom>
+          <a:solidFill>
+            <a:schemeClr val="tx1"/>
+          </a:solidFill>
+          <a:ln w="28575">
+            <a:noFill/>
+          </a:ln>
+        </p:spPr>
+        <p:style>
+          <a:lnRef idx="2">
+            <a:schemeClr val="accent1">
+              <a:shade val="50000"/>
+            </a:schemeClr>
+          </a:lnRef>
+          <a:fillRef idx="1">
+            <a:schemeClr val="accent1"/>
+          </a:fillRef>
+          <a:effectRef idx="0">
+            <a:schemeClr val="accent1"/>
+          </a:effectRef>
+          <a:fontRef idx="minor">
+            <a:schemeClr val="lt1"/>
+          </a:fontRef>
+        </p:style>
+        <p:txBody>
+          <a:bodyPr rtlCol="0" anchor="ctr"/>
+          <a:lstStyle/>
+          <a:p>
+            <a:pPr algn="ctr"/>
+            <a:endParaRPr kumimoji="1" lang="ja-JP" altLang="en-US"/>
+          </a:p>
+        </p:txBody>
+      </p:sp>
+      <p:cxnSp>
+        <p:nvCxnSpPr>
+          <p:cNvPr id="33" name="直線コネクタ 32">
+            <a:extLst>
+              <a:ext uri="{FF2B5EF4-FFF2-40B4-BE49-F238E27FC236}">
+                <a16:creationId xmlns:a16="http://schemas.microsoft.com/office/drawing/2014/main" id="{E44C39AB-6903-4CC8-A7B1-689DF8EF16F9}"/>
+              </a:ext>
+            </a:extLst>
+          </p:cNvPr>
+          <p:cNvCxnSpPr>
+            <a:cxnSpLocks/>
+            <a:stCxn id="31" idx="4"/>
+          </p:cNvCxnSpPr>
+          <p:nvPr/>
+        </p:nvCxnSpPr>
+        <p:spPr>
+          <a:xfrm flipV="1">
+            <a:off x="2932550" y="944798"/>
+            <a:ext cx="0" cy="4757912"/>
+          </a:xfrm>
+          <a:prstGeom prst="line">
+            <a:avLst/>
+          </a:prstGeom>
+          <a:ln w="57150">
+            <a:solidFill>
+              <a:schemeClr val="bg2">
+                <a:lumMod val="10000"/>
+              </a:schemeClr>
+            </a:solidFill>
+          </a:ln>
+        </p:spPr>
+        <p:style>
+          <a:lnRef idx="1">
+            <a:schemeClr val="accent1"/>
+          </a:lnRef>
+          <a:fillRef idx="0">
+            <a:schemeClr val="accent1"/>
+          </a:fillRef>
+          <a:effectRef idx="0">
+            <a:schemeClr val="accent1"/>
+          </a:effectRef>
+          <a:fontRef idx="minor">
+            <a:schemeClr val="tx1"/>
+          </a:fontRef>
+        </p:style>
+      </p:cxnSp>
+      <p:cxnSp>
+        <p:nvCxnSpPr>
+          <p:cNvPr id="37" name="直線コネクタ 36">
+            <a:extLst>
+              <a:ext uri="{FF2B5EF4-FFF2-40B4-BE49-F238E27FC236}">
+                <a16:creationId xmlns:a16="http://schemas.microsoft.com/office/drawing/2014/main" id="{94F2D8DC-51A2-4444-9C81-892B7F45868F}"/>
+              </a:ext>
+            </a:extLst>
+          </p:cNvPr>
+          <p:cNvCxnSpPr>
+            <a:cxnSpLocks/>
+          </p:cNvCxnSpPr>
+          <p:nvPr/>
+        </p:nvCxnSpPr>
+        <p:spPr>
+          <a:xfrm flipV="1">
+            <a:off x="2925915" y="3459920"/>
+            <a:ext cx="4153615" cy="1"/>
+          </a:xfrm>
+          <a:prstGeom prst="line">
+            <a:avLst/>
+          </a:prstGeom>
+          <a:ln w="57150">
+            <a:solidFill>
+              <a:schemeClr val="bg2">
+                <a:lumMod val="10000"/>
+              </a:schemeClr>
+            </a:solidFill>
+          </a:ln>
+        </p:spPr>
+        <p:style>
+          <a:lnRef idx="1">
+            <a:schemeClr val="accent1"/>
+          </a:lnRef>
+          <a:fillRef idx="0">
+            <a:schemeClr val="accent1"/>
+          </a:fillRef>
+          <a:effectRef idx="0">
+            <a:schemeClr val="accent1"/>
+          </a:effectRef>
+          <a:fontRef idx="minor">
+            <a:schemeClr val="tx1"/>
+          </a:fontRef>
+        </p:style>
+      </p:cxnSp>
+      <p:sp>
+        <p:nvSpPr>
+          <p:cNvPr id="20" name="楕円 19">
+            <a:extLst>
+              <a:ext uri="{FF2B5EF4-FFF2-40B4-BE49-F238E27FC236}">
+                <a16:creationId xmlns:a16="http://schemas.microsoft.com/office/drawing/2014/main" id="{CC627593-4B7F-4ECD-AD74-8302F38FD175}"/>
+              </a:ext>
+            </a:extLst>
+          </p:cNvPr>
+          <p:cNvSpPr/>
+          <p:nvPr/>
+        </p:nvSpPr>
+        <p:spPr>
+          <a:xfrm flipV="1">
+            <a:off x="2866361" y="3349525"/>
+            <a:ext cx="176092" cy="182966"/>
+          </a:xfrm>
+          <a:prstGeom prst="ellipse">
+            <a:avLst/>
+          </a:prstGeom>
+          <a:solidFill>
+            <a:schemeClr val="tx1"/>
+          </a:solidFill>
+          <a:ln w="28575">
+            <a:noFill/>
+          </a:ln>
+        </p:spPr>
+        <p:style>
+          <a:lnRef idx="2">
+            <a:schemeClr val="accent1">
+              <a:shade val="50000"/>
+            </a:schemeClr>
+          </a:lnRef>
+          <a:fillRef idx="1">
+            <a:schemeClr val="accent1"/>
+          </a:fillRef>
+          <a:effectRef idx="0">
+            <a:schemeClr val="accent1"/>
+          </a:effectRef>
+          <a:fontRef idx="minor">
+            <a:schemeClr val="lt1"/>
+          </a:fontRef>
+        </p:style>
+        <p:txBody>
+          <a:bodyPr rtlCol="0" anchor="ctr"/>
+          <a:lstStyle/>
+          <a:p>
+            <a:pPr algn="ctr"/>
+            <a:endParaRPr kumimoji="1" lang="ja-JP" altLang="en-US"/>
+          </a:p>
+        </p:txBody>
+      </p:sp>
+      <p:cxnSp>
+        <p:nvCxnSpPr>
+          <p:cNvPr id="44" name="直線コネクタ 43">
+            <a:extLst>
+              <a:ext uri="{FF2B5EF4-FFF2-40B4-BE49-F238E27FC236}">
+                <a16:creationId xmlns:a16="http://schemas.microsoft.com/office/drawing/2014/main" id="{9DEA1C3C-EA72-44DE-B3FC-CF4CCA54A162}"/>
+              </a:ext>
+            </a:extLst>
+          </p:cNvPr>
+          <p:cNvCxnSpPr>
+            <a:cxnSpLocks/>
+            <a:stCxn id="13" idx="0"/>
+            <a:endCxn id="18" idx="1"/>
+          </p:cNvCxnSpPr>
+          <p:nvPr/>
+        </p:nvCxnSpPr>
+        <p:spPr>
+          <a:xfrm flipH="1">
+            <a:off x="6989331" y="892449"/>
+            <a:ext cx="78185" cy="4754962"/>
+          </a:xfrm>
+          <a:prstGeom prst="line">
+            <a:avLst/>
+          </a:prstGeom>
+          <a:ln w="57150">
+            <a:solidFill>
+              <a:schemeClr val="bg2">
+                <a:lumMod val="10000"/>
+              </a:schemeClr>
+            </a:solidFill>
+          </a:ln>
+        </p:spPr>
+        <p:style>
+          <a:lnRef idx="1">
+            <a:schemeClr val="accent1"/>
+          </a:lnRef>
+          <a:fillRef idx="0">
+            <a:schemeClr val="accent1"/>
+          </a:fillRef>
+          <a:effectRef idx="0">
+            <a:schemeClr val="accent1"/>
+          </a:effectRef>
+          <a:fontRef idx="minor">
+            <a:schemeClr val="tx1"/>
+          </a:fontRef>
+        </p:style>
+      </p:cxnSp>
+      <p:sp>
+        <p:nvSpPr>
+          <p:cNvPr id="43" name="楕円 42">
+            <a:extLst>
+              <a:ext uri="{FF2B5EF4-FFF2-40B4-BE49-F238E27FC236}">
+                <a16:creationId xmlns:a16="http://schemas.microsoft.com/office/drawing/2014/main" id="{E1681378-95F3-4AC5-B5FA-73A8610BF18D}"/>
+              </a:ext>
+            </a:extLst>
+          </p:cNvPr>
+          <p:cNvSpPr/>
+          <p:nvPr/>
+        </p:nvSpPr>
+        <p:spPr>
+          <a:xfrm flipV="1">
+            <a:off x="6911254" y="3382054"/>
+            <a:ext cx="176092" cy="182966"/>
+          </a:xfrm>
+          <a:prstGeom prst="ellipse">
+            <a:avLst/>
+          </a:prstGeom>
+          <a:solidFill>
+            <a:schemeClr val="tx1"/>
+          </a:solidFill>
+          <a:ln w="28575">
+            <a:noFill/>
+          </a:ln>
+        </p:spPr>
+        <p:style>
+          <a:lnRef idx="2">
+            <a:schemeClr val="accent1">
+              <a:shade val="50000"/>
+            </a:schemeClr>
+          </a:lnRef>
+          <a:fillRef idx="1">
+            <a:schemeClr val="accent1"/>
+          </a:fillRef>
+          <a:effectRef idx="0">
+            <a:schemeClr val="accent1"/>
+          </a:effectRef>
+          <a:fontRef idx="minor">
+            <a:schemeClr val="lt1"/>
+          </a:fontRef>
+        </p:style>
+        <p:txBody>
+          <a:bodyPr rtlCol="0" anchor="ctr"/>
+          <a:lstStyle/>
+          <a:p>
+            <a:pPr algn="ctr"/>
+            <a:endParaRPr kumimoji="1" lang="ja-JP" altLang="en-US"/>
+          </a:p>
+        </p:txBody>
+      </p:sp>
+      <p:cxnSp>
+        <p:nvCxnSpPr>
+          <p:cNvPr id="40" name="直線コネクタ 39">
+            <a:extLst>
+              <a:ext uri="{FF2B5EF4-FFF2-40B4-BE49-F238E27FC236}">
+                <a16:creationId xmlns:a16="http://schemas.microsoft.com/office/drawing/2014/main" id="{EBB7265B-761E-4B61-8F0A-A5D371816ECD}"/>
+              </a:ext>
+            </a:extLst>
+          </p:cNvPr>
+          <p:cNvCxnSpPr>
+            <a:cxnSpLocks/>
+            <a:stCxn id="4" idx="2"/>
+          </p:cNvCxnSpPr>
+          <p:nvPr/>
+        </p:nvCxnSpPr>
+        <p:spPr>
+          <a:xfrm flipH="1" flipV="1">
+            <a:off x="3451652" y="3685349"/>
+            <a:ext cx="3780674" cy="8174"/>
+          </a:xfrm>
+          <a:prstGeom prst="line">
+            <a:avLst/>
+          </a:prstGeom>
+          <a:ln w="57150">
+            <a:solidFill>
+              <a:srgbClr val="FF0000"/>
+            </a:solidFill>
+          </a:ln>
+        </p:spPr>
+        <p:style>
+          <a:lnRef idx="1">
+            <a:schemeClr val="accent1"/>
+          </a:lnRef>
+          <a:fillRef idx="0">
+            <a:schemeClr val="accent1"/>
+          </a:fillRef>
+          <a:effectRef idx="0">
+            <a:schemeClr val="accent1"/>
+          </a:effectRef>
+          <a:fontRef idx="minor">
+            <a:schemeClr val="tx1"/>
+          </a:fontRef>
+        </p:style>
+      </p:cxnSp>
+      <p:cxnSp>
+        <p:nvCxnSpPr>
+          <p:cNvPr id="41" name="直線コネクタ 40">
+            <a:extLst>
+              <a:ext uri="{FF2B5EF4-FFF2-40B4-BE49-F238E27FC236}">
+                <a16:creationId xmlns:a16="http://schemas.microsoft.com/office/drawing/2014/main" id="{1DE5DFAB-CB8E-4E8B-9A68-B47CAFF10C62}"/>
+              </a:ext>
+            </a:extLst>
+          </p:cNvPr>
+          <p:cNvCxnSpPr>
+            <a:cxnSpLocks/>
+          </p:cNvCxnSpPr>
+          <p:nvPr/>
+        </p:nvCxnSpPr>
+        <p:spPr>
+          <a:xfrm flipH="1" flipV="1">
+            <a:off x="3487904" y="3685348"/>
+            <a:ext cx="10864" cy="2006985"/>
+          </a:xfrm>
+          <a:prstGeom prst="line">
+            <a:avLst/>
+          </a:prstGeom>
+          <a:ln w="57150">
+            <a:solidFill>
+              <a:schemeClr val="accent5">
+                <a:lumMod val="60000"/>
+                <a:lumOff val="40000"/>
+              </a:schemeClr>
+            </a:solidFill>
+          </a:ln>
+        </p:spPr>
+        <p:style>
+          <a:lnRef idx="1">
+            <a:schemeClr val="accent1"/>
+          </a:lnRef>
+          <a:fillRef idx="0">
+            <a:schemeClr val="accent1"/>
+          </a:fillRef>
+          <a:effectRef idx="0">
+            <a:schemeClr val="accent1"/>
+          </a:effectRef>
+          <a:fontRef idx="minor">
+            <a:schemeClr val="tx1"/>
+          </a:fontRef>
+        </p:style>
+      </p:cxnSp>
+      <p:sp>
+        <p:nvSpPr>
+          <p:cNvPr id="16" name="楕円 15">
+            <a:extLst>
+              <a:ext uri="{FF2B5EF4-FFF2-40B4-BE49-F238E27FC236}">
+                <a16:creationId xmlns:a16="http://schemas.microsoft.com/office/drawing/2014/main" id="{56B0A1CC-5AED-49F3-9E63-FFD1F58F391F}"/>
+              </a:ext>
+            </a:extLst>
+          </p:cNvPr>
+          <p:cNvSpPr/>
+          <p:nvPr/>
+        </p:nvSpPr>
+        <p:spPr>
+          <a:xfrm flipV="1">
+            <a:off x="3397782" y="3593865"/>
+            <a:ext cx="176092" cy="182966"/>
+          </a:xfrm>
+          <a:prstGeom prst="ellipse">
+            <a:avLst/>
+          </a:prstGeom>
+          <a:solidFill>
+            <a:schemeClr val="tx1"/>
+          </a:solidFill>
+          <a:ln w="28575">
+            <a:noFill/>
+          </a:ln>
+        </p:spPr>
+        <p:style>
+          <a:lnRef idx="2">
+            <a:schemeClr val="accent1">
+              <a:shade val="50000"/>
+            </a:schemeClr>
+          </a:lnRef>
+          <a:fillRef idx="1">
+            <a:schemeClr val="accent1"/>
+          </a:fillRef>
+          <a:effectRef idx="0">
+            <a:schemeClr val="accent1"/>
+          </a:effectRef>
+          <a:fontRef idx="minor">
+            <a:schemeClr val="lt1"/>
+          </a:fontRef>
+        </p:style>
+        <p:txBody>
+          <a:bodyPr rtlCol="0" anchor="ctr"/>
+          <a:lstStyle/>
+          <a:p>
+            <a:pPr algn="ctr"/>
+            <a:endParaRPr kumimoji="1" lang="ja-JP" altLang="en-US"/>
+          </a:p>
+        </p:txBody>
+      </p:sp>
+      <p:cxnSp>
+        <p:nvCxnSpPr>
+          <p:cNvPr id="45" name="直線コネクタ 44">
+            <a:extLst>
+              <a:ext uri="{FF2B5EF4-FFF2-40B4-BE49-F238E27FC236}">
+                <a16:creationId xmlns:a16="http://schemas.microsoft.com/office/drawing/2014/main" id="{BFD9F1FB-EF34-47DB-A124-FACDE2D652AF}"/>
+              </a:ext>
+            </a:extLst>
+          </p:cNvPr>
+          <p:cNvCxnSpPr>
+            <a:cxnSpLocks/>
+            <a:stCxn id="14" idx="7"/>
+          </p:cNvCxnSpPr>
+          <p:nvPr/>
+        </p:nvCxnSpPr>
+        <p:spPr>
+          <a:xfrm>
+            <a:off x="7785106" y="872297"/>
+            <a:ext cx="2240250" cy="874538"/>
+          </a:xfrm>
+          <a:prstGeom prst="line">
+            <a:avLst/>
+          </a:prstGeom>
+          <a:ln w="57150">
+            <a:solidFill>
+              <a:schemeClr val="accent1">
+                <a:lumMod val="60000"/>
+                <a:lumOff val="40000"/>
+              </a:schemeClr>
+            </a:solidFill>
+          </a:ln>
+        </p:spPr>
+        <p:style>
+          <a:lnRef idx="1">
+            <a:schemeClr val="accent1"/>
+          </a:lnRef>
+          <a:fillRef idx="0">
+            <a:schemeClr val="accent1"/>
+          </a:fillRef>
+          <a:effectRef idx="0">
+            <a:schemeClr val="accent1"/>
+          </a:effectRef>
+          <a:fontRef idx="minor">
+            <a:schemeClr val="tx1"/>
+          </a:fontRef>
+        </p:style>
+      </p:cxnSp>
+      <p:cxnSp>
+        <p:nvCxnSpPr>
+          <p:cNvPr id="47" name="直線コネクタ 46">
+            <a:extLst>
+              <a:ext uri="{FF2B5EF4-FFF2-40B4-BE49-F238E27FC236}">
+                <a16:creationId xmlns:a16="http://schemas.microsoft.com/office/drawing/2014/main" id="{F43378A7-A027-4DD1-AF4C-249885B192B0}"/>
+              </a:ext>
+            </a:extLst>
+          </p:cNvPr>
+          <p:cNvCxnSpPr>
+            <a:cxnSpLocks/>
+          </p:cNvCxnSpPr>
+          <p:nvPr/>
+        </p:nvCxnSpPr>
+        <p:spPr>
+          <a:xfrm flipH="1" flipV="1">
+            <a:off x="8434431" y="765668"/>
+            <a:ext cx="1572028" cy="400648"/>
+          </a:xfrm>
+          <a:prstGeom prst="line">
+            <a:avLst/>
+          </a:prstGeom>
+          <a:ln w="57150">
+            <a:solidFill>
+              <a:schemeClr val="bg2">
+                <a:lumMod val="10000"/>
+              </a:schemeClr>
+            </a:solidFill>
+          </a:ln>
+        </p:spPr>
+        <p:style>
+          <a:lnRef idx="1">
+            <a:schemeClr val="accent1"/>
+          </a:lnRef>
+          <a:fillRef idx="0">
+            <a:schemeClr val="accent1"/>
+          </a:fillRef>
+          <a:effectRef idx="0">
+            <a:schemeClr val="accent1"/>
+          </a:effectRef>
+          <a:fontRef idx="minor">
+            <a:schemeClr val="tx1"/>
+          </a:fontRef>
+        </p:style>
+      </p:cxnSp>
+      <p:sp>
+        <p:nvSpPr>
+          <p:cNvPr id="4" name="楕円 3">
+            <a:extLst>
+              <a:ext uri="{FF2B5EF4-FFF2-40B4-BE49-F238E27FC236}">
+                <a16:creationId xmlns:a16="http://schemas.microsoft.com/office/drawing/2014/main" id="{8A4DADD1-48C3-46D3-B0B2-0227B8E8BB0A}"/>
+              </a:ext>
+            </a:extLst>
+          </p:cNvPr>
+          <p:cNvSpPr/>
+          <p:nvPr/>
+        </p:nvSpPr>
+        <p:spPr>
+          <a:xfrm flipV="1">
+            <a:off x="7232326" y="3602040"/>
+            <a:ext cx="176092" cy="182966"/>
+          </a:xfrm>
+          <a:prstGeom prst="ellipse">
+            <a:avLst/>
+          </a:prstGeom>
+          <a:solidFill>
+            <a:schemeClr val="tx1"/>
+          </a:solidFill>
+          <a:ln w="28575">
+            <a:noFill/>
+          </a:ln>
+        </p:spPr>
+        <p:style>
+          <a:lnRef idx="2">
+            <a:schemeClr val="accent1">
+              <a:shade val="50000"/>
+            </a:schemeClr>
+          </a:lnRef>
+          <a:fillRef idx="1">
+            <a:schemeClr val="accent1"/>
+          </a:fillRef>
+          <a:effectRef idx="0">
+            <a:schemeClr val="accent1"/>
+          </a:effectRef>
+          <a:fontRef idx="minor">
+            <a:schemeClr val="lt1"/>
+          </a:fontRef>
+        </p:style>
+        <p:txBody>
+          <a:bodyPr rtlCol="0" anchor="ctr"/>
+          <a:lstStyle/>
+          <a:p>
+            <a:pPr algn="ctr"/>
+            <a:endParaRPr kumimoji="1" lang="ja-JP" altLang="en-US"/>
+          </a:p>
+        </p:txBody>
+      </p:sp>
+      <p:cxnSp>
+        <p:nvCxnSpPr>
+          <p:cNvPr id="48" name="直線コネクタ 47">
+            <a:extLst>
+              <a:ext uri="{FF2B5EF4-FFF2-40B4-BE49-F238E27FC236}">
+                <a16:creationId xmlns:a16="http://schemas.microsoft.com/office/drawing/2014/main" id="{894949B4-F812-438D-8C07-B7FD4F4FC1AE}"/>
+              </a:ext>
+            </a:extLst>
+          </p:cNvPr>
+          <p:cNvCxnSpPr>
+            <a:cxnSpLocks/>
+            <a:endCxn id="3" idx="3"/>
+          </p:cNvCxnSpPr>
+          <p:nvPr/>
+        </p:nvCxnSpPr>
+        <p:spPr>
+          <a:xfrm>
+            <a:off x="7294242" y="3717558"/>
+            <a:ext cx="2694086" cy="8341"/>
+          </a:xfrm>
+          <a:prstGeom prst="line">
+            <a:avLst/>
+          </a:prstGeom>
+          <a:ln w="57150">
+            <a:solidFill>
+              <a:schemeClr val="bg2">
+                <a:lumMod val="10000"/>
+              </a:schemeClr>
+            </a:solidFill>
+          </a:ln>
+        </p:spPr>
+        <p:style>
+          <a:lnRef idx="1">
+            <a:schemeClr val="accent1"/>
+          </a:lnRef>
+          <a:fillRef idx="0">
+            <a:schemeClr val="accent1"/>
+          </a:fillRef>
+          <a:effectRef idx="0">
+            <a:schemeClr val="accent1"/>
+          </a:effectRef>
+          <a:fontRef idx="minor">
+            <a:schemeClr val="tx1"/>
+          </a:fontRef>
+        </p:style>
+      </p:cxnSp>
+      <p:cxnSp>
+        <p:nvCxnSpPr>
+          <p:cNvPr id="54" name="直線矢印コネクタ 53">
+            <a:extLst>
+              <a:ext uri="{FF2B5EF4-FFF2-40B4-BE49-F238E27FC236}">
+                <a16:creationId xmlns:a16="http://schemas.microsoft.com/office/drawing/2014/main" id="{0D385EF5-5811-4DC8-BE06-135E1FEF5B3A}"/>
+              </a:ext>
+            </a:extLst>
+          </p:cNvPr>
+          <p:cNvCxnSpPr>
+            <a:cxnSpLocks/>
+            <a:stCxn id="55" idx="2"/>
+          </p:cNvCxnSpPr>
+          <p:nvPr/>
+        </p:nvCxnSpPr>
+        <p:spPr>
+          <a:xfrm>
+            <a:off x="1942131" y="2576692"/>
+            <a:ext cx="844207" cy="801009"/>
+          </a:xfrm>
+          <a:prstGeom prst="straightConnector1">
+            <a:avLst/>
+          </a:prstGeom>
+          <a:ln w="38100">
+            <a:solidFill>
+              <a:srgbClr val="FF0000"/>
+            </a:solidFill>
+            <a:tailEnd type="triangle"/>
+          </a:ln>
+        </p:spPr>
+        <p:style>
+          <a:lnRef idx="3">
+            <a:schemeClr val="dk1"/>
+          </a:lnRef>
+          <a:fillRef idx="0">
+            <a:schemeClr val="dk1"/>
+          </a:fillRef>
+          <a:effectRef idx="2">
+            <a:schemeClr val="dk1"/>
+          </a:effectRef>
+          <a:fontRef idx="minor">
+            <a:schemeClr val="tx1"/>
+          </a:fontRef>
+        </p:style>
+      </p:cxnSp>
+      <p:sp>
+        <p:nvSpPr>
+          <p:cNvPr id="55" name="テキスト ボックス 54">
+            <a:extLst>
+              <a:ext uri="{FF2B5EF4-FFF2-40B4-BE49-F238E27FC236}">
+                <a16:creationId xmlns:a16="http://schemas.microsoft.com/office/drawing/2014/main" id="{3C9640B1-065B-4D65-AA28-200A1BB5B949}"/>
+              </a:ext>
+            </a:extLst>
+          </p:cNvPr>
+          <p:cNvSpPr txBox="1"/>
+          <p:nvPr/>
+        </p:nvSpPr>
+        <p:spPr>
+          <a:xfrm>
+            <a:off x="1234245" y="2115027"/>
+            <a:ext cx="1415772" cy="461665"/>
+          </a:xfrm>
+          <a:prstGeom prst="rect">
+            <a:avLst/>
+          </a:prstGeom>
+          <a:noFill/>
+        </p:spPr>
+        <p:txBody>
+          <a:bodyPr wrap="none" rtlCol="0">
+            <a:spAutoFit/>
+          </a:bodyPr>
+          <a:lstStyle/>
+          <a:p>
+            <a:r>
+              <a:rPr lang="ja-JP" altLang="en-US" sz="2400" b="1" dirty="0">
+                <a:solidFill>
+                  <a:srgbClr val="FF0000"/>
+                </a:solidFill>
+                <a:latin typeface="Georgia" panose="02040502050405020303" pitchFamily="18" charset="0"/>
+              </a:rPr>
+              <a:t>刻印：小</a:t>
+            </a:r>
+            <a:endParaRPr kumimoji="1" lang="ja-JP" altLang="en-US" sz="2400" b="1" dirty="0">
+              <a:solidFill>
+                <a:srgbClr val="FF0000"/>
+              </a:solidFill>
+              <a:latin typeface="Georgia" panose="02040502050405020303" pitchFamily="18" charset="0"/>
+            </a:endParaRPr>
+          </a:p>
+        </p:txBody>
+      </p:sp>
+      <p:cxnSp>
+        <p:nvCxnSpPr>
+          <p:cNvPr id="56" name="直線矢印コネクタ 55">
+            <a:extLst>
+              <a:ext uri="{FF2B5EF4-FFF2-40B4-BE49-F238E27FC236}">
+                <a16:creationId xmlns:a16="http://schemas.microsoft.com/office/drawing/2014/main" id="{39C0F4EE-84E3-4600-977F-9951C5EC32E3}"/>
+              </a:ext>
+            </a:extLst>
+          </p:cNvPr>
+          <p:cNvCxnSpPr>
+            <a:cxnSpLocks/>
+          </p:cNvCxnSpPr>
+          <p:nvPr/>
+        </p:nvCxnSpPr>
+        <p:spPr>
+          <a:xfrm>
+            <a:off x="2239220" y="2576236"/>
+            <a:ext cx="1055170" cy="489796"/>
+          </a:xfrm>
+          <a:prstGeom prst="straightConnector1">
+            <a:avLst/>
+          </a:prstGeom>
+          <a:ln w="38100">
+            <a:solidFill>
+              <a:srgbClr val="FF0000"/>
+            </a:solidFill>
+            <a:tailEnd type="triangle"/>
+          </a:ln>
+        </p:spPr>
+        <p:style>
+          <a:lnRef idx="3">
+            <a:schemeClr val="dk1"/>
+          </a:lnRef>
+          <a:fillRef idx="0">
+            <a:schemeClr val="dk1"/>
+          </a:fillRef>
+          <a:effectRef idx="2">
+            <a:schemeClr val="dk1"/>
+          </a:effectRef>
+          <a:fontRef idx="minor">
+            <a:schemeClr val="tx1"/>
+          </a:fontRef>
+        </p:style>
+      </p:cxnSp>
+      <p:sp>
+        <p:nvSpPr>
+          <p:cNvPr id="60" name="テキスト ボックス 59">
+            <a:extLst>
+              <a:ext uri="{FF2B5EF4-FFF2-40B4-BE49-F238E27FC236}">
+                <a16:creationId xmlns:a16="http://schemas.microsoft.com/office/drawing/2014/main" id="{B9ECDC26-D846-425B-81EC-EF2C10CB76A0}"/>
+              </a:ext>
+            </a:extLst>
+          </p:cNvPr>
+          <p:cNvSpPr txBox="1"/>
+          <p:nvPr/>
+        </p:nvSpPr>
+        <p:spPr>
+          <a:xfrm>
+            <a:off x="3581312" y="4719160"/>
+            <a:ext cx="1415772" cy="461665"/>
+          </a:xfrm>
+          <a:prstGeom prst="rect">
+            <a:avLst/>
+          </a:prstGeom>
+          <a:noFill/>
+        </p:spPr>
+        <p:txBody>
+          <a:bodyPr wrap="none" rtlCol="0">
+            <a:spAutoFit/>
+          </a:bodyPr>
+          <a:lstStyle/>
+          <a:p>
+            <a:r>
+              <a:rPr lang="ja-JP" altLang="en-US" sz="2400" b="1" dirty="0">
+                <a:solidFill>
+                  <a:srgbClr val="FF0000"/>
+                </a:solidFill>
+                <a:latin typeface="Georgia" panose="02040502050405020303" pitchFamily="18" charset="0"/>
+              </a:rPr>
+              <a:t>刻印：○</a:t>
+            </a:r>
+            <a:endParaRPr kumimoji="1" lang="ja-JP" altLang="en-US" sz="2400" b="1" dirty="0">
+              <a:solidFill>
+                <a:srgbClr val="FF0000"/>
+              </a:solidFill>
+              <a:latin typeface="Georgia" panose="02040502050405020303" pitchFamily="18" charset="0"/>
+            </a:endParaRPr>
+          </a:p>
+        </p:txBody>
+      </p:sp>
+      <p:cxnSp>
+        <p:nvCxnSpPr>
+          <p:cNvPr id="61" name="直線矢印コネクタ 60">
+            <a:extLst>
+              <a:ext uri="{FF2B5EF4-FFF2-40B4-BE49-F238E27FC236}">
+                <a16:creationId xmlns:a16="http://schemas.microsoft.com/office/drawing/2014/main" id="{D6AF48E3-3707-4363-B04E-CCB6684137AC}"/>
+              </a:ext>
+            </a:extLst>
+          </p:cNvPr>
+          <p:cNvCxnSpPr>
+            <a:cxnSpLocks/>
+          </p:cNvCxnSpPr>
+          <p:nvPr/>
+        </p:nvCxnSpPr>
+        <p:spPr>
+          <a:xfrm flipH="1" flipV="1">
+            <a:off x="3613992" y="3837026"/>
+            <a:ext cx="405518" cy="920104"/>
+          </a:xfrm>
+          <a:prstGeom prst="straightConnector1">
+            <a:avLst/>
+          </a:prstGeom>
+          <a:ln w="38100">
+            <a:solidFill>
+              <a:srgbClr val="FF0000"/>
+            </a:solidFill>
+            <a:tailEnd type="triangle"/>
+          </a:ln>
+        </p:spPr>
+        <p:style>
+          <a:lnRef idx="3">
+            <a:schemeClr val="dk1"/>
+          </a:lnRef>
+          <a:fillRef idx="0">
+            <a:schemeClr val="dk1"/>
+          </a:fillRef>
+          <a:effectRef idx="2">
+            <a:schemeClr val="dk1"/>
+          </a:effectRef>
+          <a:fontRef idx="minor">
+            <a:schemeClr val="tx1"/>
+          </a:fontRef>
+        </p:style>
+      </p:cxnSp>
+      <p:sp>
+        <p:nvSpPr>
+          <p:cNvPr id="57" name="テキスト ボックス 56">
+            <a:extLst>
+              <a:ext uri="{FF2B5EF4-FFF2-40B4-BE49-F238E27FC236}">
+                <a16:creationId xmlns:a16="http://schemas.microsoft.com/office/drawing/2014/main" id="{E454E9C3-3C93-484D-A134-CDE1D4D93B0C}"/>
+              </a:ext>
+            </a:extLst>
+          </p:cNvPr>
+          <p:cNvSpPr txBox="1"/>
+          <p:nvPr/>
+        </p:nvSpPr>
+        <p:spPr>
+          <a:xfrm>
+            <a:off x="4707763" y="2021631"/>
+            <a:ext cx="2031325" cy="461665"/>
+          </a:xfrm>
+          <a:prstGeom prst="rect">
+            <a:avLst/>
+          </a:prstGeom>
+          <a:noFill/>
+        </p:spPr>
+        <p:txBody>
+          <a:bodyPr wrap="none" rtlCol="0">
+            <a:spAutoFit/>
+          </a:bodyPr>
+          <a:lstStyle/>
+          <a:p>
+            <a:r>
+              <a:rPr lang="ja-JP" altLang="en-US" sz="2400" b="1" dirty="0">
+                <a:solidFill>
+                  <a:srgbClr val="FF0000"/>
+                </a:solidFill>
+                <a:latin typeface="Georgia" panose="02040502050405020303" pitchFamily="18" charset="0"/>
+              </a:rPr>
+              <a:t>コネクタ：３</a:t>
+            </a:r>
+            <a:endParaRPr kumimoji="1" lang="ja-JP" altLang="en-US" sz="2400" b="1" dirty="0">
+              <a:solidFill>
+                <a:srgbClr val="FF0000"/>
+              </a:solidFill>
+              <a:latin typeface="Georgia" panose="02040502050405020303" pitchFamily="18" charset="0"/>
+            </a:endParaRPr>
+          </a:p>
+        </p:txBody>
+      </p:sp>
+      <p:cxnSp>
+        <p:nvCxnSpPr>
+          <p:cNvPr id="67" name="直線矢印コネクタ 66">
+            <a:extLst>
+              <a:ext uri="{FF2B5EF4-FFF2-40B4-BE49-F238E27FC236}">
+                <a16:creationId xmlns:a16="http://schemas.microsoft.com/office/drawing/2014/main" id="{2F0BE25E-8D9A-4B48-B6DC-BC7FEC8F4FCD}"/>
+              </a:ext>
+            </a:extLst>
+          </p:cNvPr>
+          <p:cNvCxnSpPr>
+            <a:cxnSpLocks/>
+          </p:cNvCxnSpPr>
+          <p:nvPr/>
+        </p:nvCxnSpPr>
+        <p:spPr>
+          <a:xfrm>
+            <a:off x="5967968" y="2542409"/>
+            <a:ext cx="844207" cy="801009"/>
+          </a:xfrm>
+          <a:prstGeom prst="straightConnector1">
+            <a:avLst/>
+          </a:prstGeom>
+          <a:ln w="38100">
+            <a:solidFill>
+              <a:srgbClr val="FF0000"/>
+            </a:solidFill>
+            <a:tailEnd type="triangle"/>
+          </a:ln>
+        </p:spPr>
+        <p:style>
+          <a:lnRef idx="3">
+            <a:schemeClr val="dk1"/>
+          </a:lnRef>
+          <a:fillRef idx="0">
+            <a:schemeClr val="dk1"/>
+          </a:fillRef>
+          <a:effectRef idx="2">
+            <a:schemeClr val="dk1"/>
+          </a:effectRef>
+          <a:fontRef idx="minor">
+            <a:schemeClr val="tx1"/>
+          </a:fontRef>
+        </p:style>
+      </p:cxnSp>
+      <p:sp>
+        <p:nvSpPr>
+          <p:cNvPr id="58" name="テキスト ボックス 57">
+            <a:extLst>
+              <a:ext uri="{FF2B5EF4-FFF2-40B4-BE49-F238E27FC236}">
+                <a16:creationId xmlns:a16="http://schemas.microsoft.com/office/drawing/2014/main" id="{A888EF22-F5B0-40FA-BECE-9039D48888F3}"/>
+              </a:ext>
+            </a:extLst>
+          </p:cNvPr>
+          <p:cNvSpPr txBox="1"/>
+          <p:nvPr/>
+        </p:nvSpPr>
+        <p:spPr>
+          <a:xfrm>
+            <a:off x="7679162" y="4856826"/>
+            <a:ext cx="2031325" cy="461665"/>
+          </a:xfrm>
+          <a:prstGeom prst="rect">
+            <a:avLst/>
+          </a:prstGeom>
+          <a:noFill/>
+        </p:spPr>
+        <p:txBody>
+          <a:bodyPr wrap="none" rtlCol="0">
+            <a:spAutoFit/>
+          </a:bodyPr>
+          <a:lstStyle/>
+          <a:p>
+            <a:r>
+              <a:rPr lang="ja-JP" altLang="en-US" sz="2400" b="1" dirty="0">
+                <a:solidFill>
+                  <a:srgbClr val="FF0000"/>
+                </a:solidFill>
+                <a:latin typeface="Georgia" panose="02040502050405020303" pitchFamily="18" charset="0"/>
+              </a:rPr>
+              <a:t>コネクタ：２</a:t>
+            </a:r>
+            <a:endParaRPr kumimoji="1" lang="ja-JP" altLang="en-US" sz="2400" b="1" dirty="0">
+              <a:solidFill>
+                <a:srgbClr val="FF0000"/>
+              </a:solidFill>
+              <a:latin typeface="Georgia" panose="02040502050405020303" pitchFamily="18" charset="0"/>
+            </a:endParaRPr>
+          </a:p>
+        </p:txBody>
+      </p:sp>
+      <p:cxnSp>
+        <p:nvCxnSpPr>
+          <p:cNvPr id="70" name="直線矢印コネクタ 69">
+            <a:extLst>
+              <a:ext uri="{FF2B5EF4-FFF2-40B4-BE49-F238E27FC236}">
+                <a16:creationId xmlns:a16="http://schemas.microsoft.com/office/drawing/2014/main" id="{F03009A6-2219-420B-A453-64C33178BA49}"/>
+              </a:ext>
+            </a:extLst>
+          </p:cNvPr>
+          <p:cNvCxnSpPr>
+            <a:cxnSpLocks/>
+          </p:cNvCxnSpPr>
+          <p:nvPr/>
+        </p:nvCxnSpPr>
+        <p:spPr>
+          <a:xfrm flipH="1" flipV="1">
+            <a:off x="7369239" y="3837026"/>
+            <a:ext cx="644099" cy="964603"/>
+          </a:xfrm>
+          <a:prstGeom prst="straightConnector1">
+            <a:avLst/>
+          </a:prstGeom>
+          <a:ln w="38100">
+            <a:solidFill>
+              <a:srgbClr val="FF0000"/>
+            </a:solidFill>
+            <a:tailEnd type="triangle"/>
+          </a:ln>
+        </p:spPr>
+        <p:style>
+          <a:lnRef idx="3">
+            <a:schemeClr val="dk1"/>
+          </a:lnRef>
+          <a:fillRef idx="0">
+            <a:schemeClr val="dk1"/>
+          </a:fillRef>
+          <a:effectRef idx="2">
+            <a:schemeClr val="dk1"/>
+          </a:effectRef>
+          <a:fontRef idx="minor">
+            <a:schemeClr val="tx1"/>
+          </a:fontRef>
+        </p:style>
+      </p:cxnSp>
+      <p:sp>
+        <p:nvSpPr>
+          <p:cNvPr id="75" name="テキスト ボックス 74">
+            <a:extLst>
+              <a:ext uri="{FF2B5EF4-FFF2-40B4-BE49-F238E27FC236}">
+                <a16:creationId xmlns:a16="http://schemas.microsoft.com/office/drawing/2014/main" id="{D201D2BB-BE8B-4816-9CD9-AE3D815746BD}"/>
+              </a:ext>
+            </a:extLst>
+          </p:cNvPr>
+          <p:cNvSpPr txBox="1"/>
+          <p:nvPr/>
+        </p:nvSpPr>
+        <p:spPr>
+          <a:xfrm>
+            <a:off x="7769905" y="1924737"/>
+            <a:ext cx="2031325" cy="461665"/>
+          </a:xfrm>
+          <a:prstGeom prst="rect">
+            <a:avLst/>
+          </a:prstGeom>
+          <a:noFill/>
+        </p:spPr>
+        <p:txBody>
+          <a:bodyPr wrap="none" rtlCol="0">
+            <a:spAutoFit/>
+          </a:bodyPr>
+          <a:lstStyle/>
+          <a:p>
+            <a:r>
+              <a:rPr lang="ja-JP" altLang="en-US" sz="2400" b="1" dirty="0">
+                <a:solidFill>
+                  <a:srgbClr val="FF0000"/>
+                </a:solidFill>
+                <a:latin typeface="Georgia" panose="02040502050405020303" pitchFamily="18" charset="0"/>
+              </a:rPr>
+              <a:t>コネクタ：４</a:t>
+            </a:r>
+            <a:endParaRPr kumimoji="1" lang="ja-JP" altLang="en-US" sz="2400" b="1" dirty="0">
+              <a:solidFill>
+                <a:srgbClr val="FF0000"/>
+              </a:solidFill>
+              <a:latin typeface="Georgia" panose="02040502050405020303" pitchFamily="18" charset="0"/>
+            </a:endParaRPr>
+          </a:p>
+        </p:txBody>
+      </p:sp>
+      <p:cxnSp>
+        <p:nvCxnSpPr>
+          <p:cNvPr id="76" name="直線矢印コネクタ 75">
+            <a:extLst>
+              <a:ext uri="{FF2B5EF4-FFF2-40B4-BE49-F238E27FC236}">
+                <a16:creationId xmlns:a16="http://schemas.microsoft.com/office/drawing/2014/main" id="{A83613F6-C19A-4B91-87AC-6888BF6178CC}"/>
+              </a:ext>
+            </a:extLst>
+          </p:cNvPr>
+          <p:cNvCxnSpPr>
+            <a:cxnSpLocks/>
+          </p:cNvCxnSpPr>
+          <p:nvPr/>
+        </p:nvCxnSpPr>
+        <p:spPr>
+          <a:xfrm flipH="1">
+            <a:off x="7800397" y="2386402"/>
+            <a:ext cx="840888" cy="689661"/>
+          </a:xfrm>
+          <a:prstGeom prst="straightConnector1">
+            <a:avLst/>
+          </a:prstGeom>
+          <a:ln w="38100">
+            <a:solidFill>
+              <a:srgbClr val="FF0000"/>
+            </a:solidFill>
+            <a:tailEnd type="triangle"/>
+          </a:ln>
+        </p:spPr>
+        <p:style>
+          <a:lnRef idx="3">
+            <a:schemeClr val="dk1"/>
+          </a:lnRef>
+          <a:fillRef idx="0">
+            <a:schemeClr val="dk1"/>
+          </a:fillRef>
+          <a:effectRef idx="2">
+            <a:schemeClr val="dk1"/>
+          </a:effectRef>
+          <a:fontRef idx="minor">
+            <a:schemeClr val="tx1"/>
+          </a:fontRef>
+        </p:style>
+      </p:cxnSp>
+      <p:sp>
+        <p:nvSpPr>
+          <p:cNvPr id="59" name="テキスト ボックス 58">
+            <a:extLst>
+              <a:ext uri="{FF2B5EF4-FFF2-40B4-BE49-F238E27FC236}">
+                <a16:creationId xmlns:a16="http://schemas.microsoft.com/office/drawing/2014/main" id="{1460D808-A9C0-447B-8CFD-7032DD204BDD}"/>
+              </a:ext>
+            </a:extLst>
+          </p:cNvPr>
+          <p:cNvSpPr txBox="1"/>
+          <p:nvPr/>
+        </p:nvSpPr>
+        <p:spPr>
+          <a:xfrm>
+            <a:off x="4087621" y="3872393"/>
+            <a:ext cx="2230098" cy="461665"/>
+          </a:xfrm>
+          <a:prstGeom prst="rect">
+            <a:avLst/>
+          </a:prstGeom>
+          <a:noFill/>
+        </p:spPr>
+        <p:txBody>
+          <a:bodyPr wrap="none" rtlCol="0">
+            <a:spAutoFit/>
+          </a:bodyPr>
+          <a:lstStyle/>
+          <a:p>
+            <a:r>
+              <a:rPr lang="en-US" altLang="ja-JP" sz="2400" b="1" dirty="0">
+                <a:solidFill>
+                  <a:schemeClr val="accent6">
+                    <a:lumMod val="60000"/>
+                    <a:lumOff val="40000"/>
+                  </a:schemeClr>
+                </a:solidFill>
+                <a:latin typeface="+mn-ea"/>
+              </a:rPr>
+              <a:t>10</a:t>
+            </a:r>
+            <a:r>
+              <a:rPr kumimoji="1" lang="en-US" altLang="ja-JP" sz="2400" b="1" dirty="0">
+                <a:solidFill>
+                  <a:schemeClr val="accent6">
+                    <a:lumMod val="60000"/>
+                    <a:lumOff val="40000"/>
+                  </a:schemeClr>
+                </a:solidFill>
+                <a:latin typeface="+mn-ea"/>
+              </a:rPr>
+              <a:t>0+150+100</a:t>
+            </a:r>
+            <a:endParaRPr kumimoji="1" lang="ja-JP" altLang="en-US" sz="2400" b="1" dirty="0">
+              <a:solidFill>
+                <a:schemeClr val="accent6">
+                  <a:lumMod val="60000"/>
+                  <a:lumOff val="40000"/>
+                </a:schemeClr>
+              </a:solidFill>
+              <a:latin typeface="+mn-ea"/>
+            </a:endParaRPr>
+          </a:p>
+        </p:txBody>
+      </p:sp>
+      <p:sp>
+        <p:nvSpPr>
+          <p:cNvPr id="62" name="テキスト ボックス 61">
+            <a:extLst>
+              <a:ext uri="{FF2B5EF4-FFF2-40B4-BE49-F238E27FC236}">
+                <a16:creationId xmlns:a16="http://schemas.microsoft.com/office/drawing/2014/main" id="{83FD5210-E24A-4320-800B-8F18A0C9C012}"/>
+              </a:ext>
+            </a:extLst>
+          </p:cNvPr>
+          <p:cNvSpPr txBox="1"/>
+          <p:nvPr/>
+        </p:nvSpPr>
+        <p:spPr>
+          <a:xfrm>
+            <a:off x="7833378" y="3807951"/>
+            <a:ext cx="2053767" cy="461665"/>
+          </a:xfrm>
+          <a:prstGeom prst="rect">
+            <a:avLst/>
+          </a:prstGeom>
+          <a:noFill/>
+        </p:spPr>
+        <p:txBody>
+          <a:bodyPr wrap="none" rtlCol="0">
+            <a:spAutoFit/>
+          </a:bodyPr>
+          <a:lstStyle/>
+          <a:p>
+            <a:r>
+              <a:rPr lang="en-US" altLang="ja-JP" sz="2400" b="1" dirty="0">
+                <a:solidFill>
+                  <a:schemeClr val="accent6">
+                    <a:lumMod val="60000"/>
+                    <a:lumOff val="40000"/>
+                  </a:schemeClr>
+                </a:solidFill>
+                <a:latin typeface="+mn-ea"/>
+              </a:rPr>
+              <a:t>10</a:t>
+            </a:r>
+            <a:r>
+              <a:rPr kumimoji="1" lang="en-US" altLang="ja-JP" sz="2400" b="1" dirty="0">
+                <a:solidFill>
+                  <a:schemeClr val="accent6">
+                    <a:lumMod val="60000"/>
+                    <a:lumOff val="40000"/>
+                  </a:schemeClr>
+                </a:solidFill>
+                <a:latin typeface="+mn-ea"/>
+              </a:rPr>
+              <a:t>0+150+50</a:t>
+            </a:r>
+            <a:endParaRPr kumimoji="1" lang="ja-JP" altLang="en-US" sz="2400" b="1" dirty="0">
+              <a:solidFill>
+                <a:schemeClr val="accent6">
+                  <a:lumMod val="60000"/>
+                  <a:lumOff val="40000"/>
+                </a:schemeClr>
+              </a:solidFill>
+              <a:latin typeface="+mn-ea"/>
+            </a:endParaRPr>
+          </a:p>
+        </p:txBody>
+      </p:sp>
+      <p:sp>
+        <p:nvSpPr>
+          <p:cNvPr id="63" name="テキスト ボックス 62">
+            <a:extLst>
+              <a:ext uri="{FF2B5EF4-FFF2-40B4-BE49-F238E27FC236}">
+                <a16:creationId xmlns:a16="http://schemas.microsoft.com/office/drawing/2014/main" id="{1F762EC7-7FB0-403A-87FD-EDAE17AAE69B}"/>
+              </a:ext>
+            </a:extLst>
+          </p:cNvPr>
+          <p:cNvSpPr txBox="1"/>
+          <p:nvPr/>
+        </p:nvSpPr>
+        <p:spPr>
+          <a:xfrm>
+            <a:off x="7902850" y="4554937"/>
+            <a:ext cx="2230098" cy="461665"/>
+          </a:xfrm>
+          <a:prstGeom prst="rect">
+            <a:avLst/>
+          </a:prstGeom>
+          <a:noFill/>
+        </p:spPr>
+        <p:txBody>
+          <a:bodyPr wrap="none" rtlCol="0">
+            <a:spAutoFit/>
+          </a:bodyPr>
+          <a:lstStyle/>
+          <a:p>
+            <a:r>
+              <a:rPr lang="en-US" altLang="ja-JP" sz="2400" b="1" dirty="0">
+                <a:solidFill>
+                  <a:schemeClr val="accent6">
+                    <a:lumMod val="60000"/>
+                    <a:lumOff val="40000"/>
+                  </a:schemeClr>
+                </a:solidFill>
+                <a:latin typeface="+mn-ea"/>
+              </a:rPr>
+              <a:t>10</a:t>
+            </a:r>
+            <a:r>
+              <a:rPr kumimoji="1" lang="en-US" altLang="ja-JP" sz="2400" b="1" dirty="0">
+                <a:solidFill>
+                  <a:schemeClr val="accent6">
+                    <a:lumMod val="60000"/>
+                    <a:lumOff val="40000"/>
+                  </a:schemeClr>
+                </a:solidFill>
+                <a:latin typeface="+mn-ea"/>
+              </a:rPr>
+              <a:t>0+150+100</a:t>
+            </a:r>
+            <a:endParaRPr kumimoji="1" lang="ja-JP" altLang="en-US" sz="2400" b="1" dirty="0">
+              <a:solidFill>
+                <a:schemeClr val="accent6">
+                  <a:lumMod val="60000"/>
+                  <a:lumOff val="40000"/>
+                </a:schemeClr>
+              </a:solidFill>
+              <a:latin typeface="+mn-ea"/>
+            </a:endParaRPr>
+          </a:p>
+        </p:txBody>
+      </p:sp>
+      <p:sp>
+        <p:nvSpPr>
+          <p:cNvPr id="68" name="テキスト ボックス 67">
+            <a:extLst>
+              <a:ext uri="{FF2B5EF4-FFF2-40B4-BE49-F238E27FC236}">
+                <a16:creationId xmlns:a16="http://schemas.microsoft.com/office/drawing/2014/main" id="{0B928C3A-6F1F-43E0-8518-5433FB57FB0A}"/>
+              </a:ext>
+            </a:extLst>
+          </p:cNvPr>
+          <p:cNvSpPr txBox="1"/>
+          <p:nvPr/>
+        </p:nvSpPr>
+        <p:spPr>
+          <a:xfrm>
+            <a:off x="657391" y="4498929"/>
+            <a:ext cx="2230098" cy="461665"/>
+          </a:xfrm>
+          <a:prstGeom prst="rect">
+            <a:avLst/>
+          </a:prstGeom>
+          <a:noFill/>
+        </p:spPr>
+        <p:txBody>
+          <a:bodyPr wrap="none" rtlCol="0">
+            <a:spAutoFit/>
+          </a:bodyPr>
+          <a:lstStyle/>
+          <a:p>
+            <a:r>
+              <a:rPr lang="en-US" altLang="ja-JP" sz="2400" b="1" dirty="0">
+                <a:solidFill>
+                  <a:schemeClr val="accent6">
+                    <a:lumMod val="60000"/>
+                    <a:lumOff val="40000"/>
+                  </a:schemeClr>
+                </a:solidFill>
+                <a:latin typeface="+mn-ea"/>
+              </a:rPr>
+              <a:t>10</a:t>
+            </a:r>
+            <a:r>
+              <a:rPr kumimoji="1" lang="en-US" altLang="ja-JP" sz="2400" b="1" dirty="0">
+                <a:solidFill>
+                  <a:schemeClr val="accent6">
+                    <a:lumMod val="60000"/>
+                    <a:lumOff val="40000"/>
+                  </a:schemeClr>
+                </a:solidFill>
+                <a:latin typeface="+mn-ea"/>
+              </a:rPr>
+              <a:t>0+150+100</a:t>
+            </a:r>
+            <a:endParaRPr kumimoji="1" lang="ja-JP" altLang="en-US" sz="2400" b="1" dirty="0">
+              <a:solidFill>
+                <a:schemeClr val="accent6">
+                  <a:lumMod val="60000"/>
+                  <a:lumOff val="40000"/>
+                </a:schemeClr>
+              </a:solidFill>
+              <a:latin typeface="+mn-ea"/>
+            </a:endParaRPr>
+          </a:p>
+        </p:txBody>
+      </p:sp>
+      <p:sp>
+        <p:nvSpPr>
+          <p:cNvPr id="69" name="テキスト ボックス 68">
+            <a:extLst>
+              <a:ext uri="{FF2B5EF4-FFF2-40B4-BE49-F238E27FC236}">
+                <a16:creationId xmlns:a16="http://schemas.microsoft.com/office/drawing/2014/main" id="{73A418D4-32E1-4B74-8792-3B6D605519B1}"/>
+              </a:ext>
+            </a:extLst>
+          </p:cNvPr>
+          <p:cNvSpPr txBox="1"/>
+          <p:nvPr/>
+        </p:nvSpPr>
+        <p:spPr>
+          <a:xfrm>
+            <a:off x="949677" y="1261751"/>
+            <a:ext cx="2020105" cy="830997"/>
+          </a:xfrm>
+          <a:prstGeom prst="rect">
+            <a:avLst/>
+          </a:prstGeom>
+          <a:noFill/>
+        </p:spPr>
+        <p:txBody>
+          <a:bodyPr wrap="none" rtlCol="0">
+            <a:spAutoFit/>
+          </a:bodyPr>
+          <a:lstStyle/>
+          <a:p>
+            <a:r>
+              <a:rPr kumimoji="1" lang="en-US" altLang="ja-JP" sz="2400" b="1" dirty="0">
+                <a:solidFill>
+                  <a:schemeClr val="accent6">
+                    <a:lumMod val="60000"/>
+                    <a:lumOff val="40000"/>
+                  </a:schemeClr>
+                </a:solidFill>
+                <a:latin typeface="+mn-ea"/>
+              </a:rPr>
+              <a:t>150+100</a:t>
+            </a:r>
+          </a:p>
+          <a:p>
+            <a:r>
+              <a:rPr lang="en-US" altLang="ja-JP" sz="2400" b="1" dirty="0">
+                <a:solidFill>
+                  <a:schemeClr val="accent6">
+                    <a:lumMod val="60000"/>
+                    <a:lumOff val="40000"/>
+                  </a:schemeClr>
+                </a:solidFill>
+                <a:latin typeface="+mn-ea"/>
+              </a:rPr>
+              <a:t>(VVF2.0-2C)</a:t>
+            </a:r>
+            <a:endParaRPr kumimoji="1" lang="ja-JP" altLang="en-US" sz="2400" b="1" dirty="0">
+              <a:solidFill>
+                <a:schemeClr val="accent6">
+                  <a:lumMod val="60000"/>
+                  <a:lumOff val="40000"/>
+                </a:schemeClr>
+              </a:solidFill>
+              <a:latin typeface="+mn-ea"/>
+            </a:endParaRPr>
+          </a:p>
+        </p:txBody>
+      </p:sp>
+      <p:sp>
+        <p:nvSpPr>
+          <p:cNvPr id="71" name="テキスト ボックス 70">
+            <a:extLst>
+              <a:ext uri="{FF2B5EF4-FFF2-40B4-BE49-F238E27FC236}">
+                <a16:creationId xmlns:a16="http://schemas.microsoft.com/office/drawing/2014/main" id="{6F8D3606-500E-4643-9201-47B534A60E81}"/>
+              </a:ext>
+            </a:extLst>
+          </p:cNvPr>
+          <p:cNvSpPr txBox="1"/>
+          <p:nvPr/>
+        </p:nvSpPr>
+        <p:spPr>
+          <a:xfrm>
+            <a:off x="4947030" y="1489662"/>
+            <a:ext cx="2053767" cy="461665"/>
+          </a:xfrm>
+          <a:prstGeom prst="rect">
+            <a:avLst/>
+          </a:prstGeom>
+          <a:noFill/>
+        </p:spPr>
+        <p:txBody>
+          <a:bodyPr wrap="none" rtlCol="0">
+            <a:spAutoFit/>
+          </a:bodyPr>
+          <a:lstStyle/>
+          <a:p>
+            <a:r>
+              <a:rPr kumimoji="1" lang="en-US" altLang="ja-JP" sz="2400" b="1" dirty="0">
+                <a:solidFill>
+                  <a:schemeClr val="accent6">
+                    <a:lumMod val="60000"/>
+                    <a:lumOff val="40000"/>
+                  </a:schemeClr>
+                </a:solidFill>
+                <a:latin typeface="+mn-ea"/>
+              </a:rPr>
+              <a:t>50+150+100</a:t>
+            </a:r>
+            <a:endParaRPr kumimoji="1" lang="ja-JP" altLang="en-US" sz="2400" b="1" dirty="0">
+              <a:solidFill>
+                <a:schemeClr val="accent6">
+                  <a:lumMod val="60000"/>
+                  <a:lumOff val="40000"/>
+                </a:schemeClr>
+              </a:solidFill>
+              <a:latin typeface="+mn-ea"/>
+            </a:endParaRPr>
+          </a:p>
+        </p:txBody>
+      </p:sp>
+      <p:sp>
+        <p:nvSpPr>
+          <p:cNvPr id="72" name="テキスト ボックス 71">
+            <a:extLst>
+              <a:ext uri="{FF2B5EF4-FFF2-40B4-BE49-F238E27FC236}">
+                <a16:creationId xmlns:a16="http://schemas.microsoft.com/office/drawing/2014/main" id="{5A87B355-4045-4A50-8E33-C7457355B857}"/>
+              </a:ext>
+            </a:extLst>
+          </p:cNvPr>
+          <p:cNvSpPr txBox="1"/>
+          <p:nvPr/>
+        </p:nvSpPr>
+        <p:spPr>
+          <a:xfrm>
+            <a:off x="9166186" y="409004"/>
+            <a:ext cx="1877437" cy="461665"/>
+          </a:xfrm>
+          <a:prstGeom prst="rect">
+            <a:avLst/>
+          </a:prstGeom>
+          <a:noFill/>
+        </p:spPr>
+        <p:txBody>
+          <a:bodyPr wrap="none" rtlCol="0">
+            <a:spAutoFit/>
+          </a:bodyPr>
+          <a:lstStyle/>
+          <a:p>
+            <a:r>
+              <a:rPr kumimoji="1" lang="en-US" altLang="ja-JP" sz="2400" b="1" dirty="0">
+                <a:solidFill>
+                  <a:schemeClr val="accent6">
+                    <a:lumMod val="60000"/>
+                    <a:lumOff val="40000"/>
+                  </a:schemeClr>
+                </a:solidFill>
+                <a:latin typeface="+mn-ea"/>
+              </a:rPr>
+              <a:t>50+200+20</a:t>
+            </a:r>
+            <a:endParaRPr kumimoji="1" lang="ja-JP" altLang="en-US" sz="2400" b="1" dirty="0">
+              <a:solidFill>
+                <a:schemeClr val="accent6">
+                  <a:lumMod val="60000"/>
+                  <a:lumOff val="40000"/>
+                </a:schemeClr>
+              </a:solidFill>
+              <a:latin typeface="+mn-ea"/>
+            </a:endParaRPr>
+          </a:p>
+        </p:txBody>
+      </p:sp>
+    </p:spTree>
+    <p:extLst>
+      <p:ext uri="{BB962C8B-B14F-4D97-AF65-F5344CB8AC3E}">
+        <p14:creationId xmlns:p14="http://schemas.microsoft.com/office/powerpoint/2010/main" val="81542735"/>
+      </p:ext>
+    </p:extLst>
+  </p:cSld>
+  <p:clrMapOvr>
+    <a:masterClrMapping/>
+  </p:clrMapOvr>
+</p:sld>
+</file>
+
 <file path=ppt/theme/theme1.xml><?xml version="1.0" encoding="utf-8"?>
 <a:theme xmlns:a="http://schemas.openxmlformats.org/drawingml/2006/main" name="Office テーマ">
   <a:themeElements>
